--- a/model slides/heatpump.pptx
+++ b/model slides/heatpump.pptx
@@ -2,12 +2,12 @@
 <file path=ppt/presentation.xml><?xml version="1.0" encoding="utf-8"?>
 <p:presentation xmlns:a="http://schemas.openxmlformats.org/drawingml/2006/main" xmlns:r="http://schemas.openxmlformats.org/officeDocument/2006/relationships" xmlns:p="http://schemas.openxmlformats.org/presentationml/2006/main" saveSubsetFonts="1">
   <p:sldMasterIdLst>
-    <p:sldMasterId id="2147483648" r:id="rId1"/>
+    <p:sldMasterId id="2147483648" r:id="rId4"/>
   </p:sldMasterIdLst>
   <p:sldIdLst>
-    <p:sldId id="256" r:id="rId2"/>
-    <p:sldId id="258" r:id="rId3"/>
-    <p:sldId id="259" r:id="rId4"/>
+    <p:sldId id="256" r:id="rId5"/>
+    <p:sldId id="258" r:id="rId6"/>
+    <p:sldId id="259" r:id="rId7"/>
   </p:sldIdLst>
   <p:sldSz cx="12192000" cy="6858000"/>
   <p:notesSz cx="6858000" cy="9144000"/>
@@ -106,7 +106,97 @@
       </a:defRPr>
     </a:lvl9pPr>
   </p:defaultTextStyle>
+  <p:extLst>
+    <p:ext uri="{EFAFB233-063F-42B5-8137-9DF3F51BA10A}">
+      <p15:sldGuideLst xmlns:p15="http://schemas.microsoft.com/office/powerpoint/2012/main"/>
+    </p:ext>
+  </p:extLst>
 </p:presentation>
+</file>
+
+<file path=ppt/revisionInfo.xml><?xml version="1.0" encoding="utf-8"?>
+<p1510:revInfo xmlns:a="http://schemas.openxmlformats.org/drawingml/2006/main" xmlns:r="http://schemas.openxmlformats.org/officeDocument/2006/relationships" xmlns:p1510="http://schemas.microsoft.com/office/powerpoint/2015/10/main">
+  <p1510:revLst>
+    <p1510:client id="{EAC605AC-AB4F-4AC6-B849-E37422DC50CB}" v="288" dt="2022-07-14T15:58:52.591"/>
+    <p1510:client id="{F4620B83-ED4C-433B-BC9D-C37C32892B26}" v="20" dt="2022-07-14T08:54:09.124"/>
+  </p1510:revLst>
+</p1510:revInfo>
+</file>
+
+<file path=ppt/changesInfos/changesInfo1.xml><?xml version="1.0" encoding="utf-8"?>
+<pc:chgInfo xmlns:a="http://schemas.openxmlformats.org/drawingml/2006/main" xmlns:r="http://schemas.openxmlformats.org/officeDocument/2006/relationships" xmlns:ac="http://schemas.microsoft.com/office/drawing/2013/main/command" xmlns:pc="http://schemas.microsoft.com/office/powerpoint/2013/main/command">
+  <pc:docChgLst>
+    <pc:chgData name="Lucas Edward HSLU T&amp;A" userId="0b6f48ed-087d-452a-a0b3-4eb82d34cfa5" providerId="ADAL" clId="{EAC605AC-AB4F-4AC6-B849-E37422DC50CB}"/>
+    <pc:docChg chg="undo custSel modSld">
+      <pc:chgData name="Lucas Edward HSLU T&amp;A" userId="0b6f48ed-087d-452a-a0b3-4eb82d34cfa5" providerId="ADAL" clId="{EAC605AC-AB4F-4AC6-B849-E37422DC50CB}" dt="2022-07-14T16:01:39.006" v="928" actId="20577"/>
+      <pc:docMkLst>
+        <pc:docMk/>
+      </pc:docMkLst>
+      <pc:sldChg chg="modSp mod">
+        <pc:chgData name="Lucas Edward HSLU T&amp;A" userId="0b6f48ed-087d-452a-a0b3-4eb82d34cfa5" providerId="ADAL" clId="{EAC605AC-AB4F-4AC6-B849-E37422DC50CB}" dt="2022-07-14T15:39:25.233" v="115" actId="20577"/>
+        <pc:sldMkLst>
+          <pc:docMk/>
+          <pc:sldMk cId="1741774979" sldId="256"/>
+        </pc:sldMkLst>
+        <pc:spChg chg="mod">
+          <ac:chgData name="Lucas Edward HSLU T&amp;A" userId="0b6f48ed-087d-452a-a0b3-4eb82d34cfa5" providerId="ADAL" clId="{EAC605AC-AB4F-4AC6-B849-E37422DC50CB}" dt="2022-07-14T15:39:25.233" v="115" actId="20577"/>
+          <ac:spMkLst>
+            <pc:docMk/>
+            <pc:sldMk cId="1741774979" sldId="256"/>
+            <ac:spMk id="5" creationId="{4CDF34A6-A22D-A0F1-57D2-BD80A4E506A0}"/>
+          </ac:spMkLst>
+        </pc:spChg>
+      </pc:sldChg>
+      <pc:sldChg chg="addSp modSp mod">
+        <pc:chgData name="Lucas Edward HSLU T&amp;A" userId="0b6f48ed-087d-452a-a0b3-4eb82d34cfa5" providerId="ADAL" clId="{EAC605AC-AB4F-4AC6-B849-E37422DC50CB}" dt="2022-07-14T16:01:39.006" v="928" actId="20577"/>
+        <pc:sldMkLst>
+          <pc:docMk/>
+          <pc:sldMk cId="2248148988" sldId="259"/>
+        </pc:sldMkLst>
+        <pc:spChg chg="mod">
+          <ac:chgData name="Lucas Edward HSLU T&amp;A" userId="0b6f48ed-087d-452a-a0b3-4eb82d34cfa5" providerId="ADAL" clId="{EAC605AC-AB4F-4AC6-B849-E37422DC50CB}" dt="2022-07-14T15:57:54.949" v="356"/>
+          <ac:spMkLst>
+            <pc:docMk/>
+            <pc:sldMk cId="2248148988" sldId="259"/>
+            <ac:spMk id="5" creationId="{4CDF34A6-A22D-A0F1-57D2-BD80A4E506A0}"/>
+          </ac:spMkLst>
+        </pc:spChg>
+        <pc:spChg chg="add mod">
+          <ac:chgData name="Lucas Edward HSLU T&amp;A" userId="0b6f48ed-087d-452a-a0b3-4eb82d34cfa5" providerId="ADAL" clId="{EAC605AC-AB4F-4AC6-B849-E37422DC50CB}" dt="2022-07-14T16:01:39.006" v="928" actId="20577"/>
+          <ac:spMkLst>
+            <pc:docMk/>
+            <pc:sldMk cId="2248148988" sldId="259"/>
+            <ac:spMk id="6" creationId="{85A86AC5-A19F-1787-1153-C8640D9990BF}"/>
+          </ac:spMkLst>
+        </pc:spChg>
+      </pc:sldChg>
+    </pc:docChg>
+  </pc:docChgLst>
+  <pc:docChgLst>
+    <pc:chgData name="Hendry Reto HSLU T&amp;A" userId="a1233879-0840-440b-896e-145c622bbd02" providerId="ADAL" clId="{F4620B83-ED4C-433B-BC9D-C37C32892B26}"/>
+    <pc:docChg chg="undo custSel modSld">
+      <pc:chgData name="Hendry Reto HSLU T&amp;A" userId="a1233879-0840-440b-896e-145c622bbd02" providerId="ADAL" clId="{F4620B83-ED4C-433B-BC9D-C37C32892B26}" dt="2022-07-14T08:54:09.124" v="18"/>
+      <pc:docMkLst>
+        <pc:docMk/>
+      </pc:docMkLst>
+      <pc:sldChg chg="modSp mod">
+        <pc:chgData name="Hendry Reto HSLU T&amp;A" userId="a1233879-0840-440b-896e-145c622bbd02" providerId="ADAL" clId="{F4620B83-ED4C-433B-BC9D-C37C32892B26}" dt="2022-07-14T08:54:09.124" v="18"/>
+        <pc:sldMkLst>
+          <pc:docMk/>
+          <pc:sldMk cId="1741774979" sldId="256"/>
+        </pc:sldMkLst>
+        <pc:spChg chg="mod">
+          <ac:chgData name="Hendry Reto HSLU T&amp;A" userId="a1233879-0840-440b-896e-145c622bbd02" providerId="ADAL" clId="{F4620B83-ED4C-433B-BC9D-C37C32892B26}" dt="2022-07-14T08:54:09.124" v="18"/>
+          <ac:spMkLst>
+            <pc:docMk/>
+            <pc:sldMk cId="1741774979" sldId="256"/>
+            <ac:spMk id="5" creationId="{4CDF34A6-A22D-A0F1-57D2-BD80A4E506A0}"/>
+          </ac:spMkLst>
+        </pc:spChg>
+      </pc:sldChg>
+    </pc:docChg>
+  </pc:docChgLst>
+</pc:chgInfo>
 </file>
 
 <file path=ppt/slideLayouts/slideLayout1.xml><?xml version="1.0" encoding="utf-8"?>
@@ -258,7 +348,7 @@
           <a:p>
             <a:fld id="{1945E603-6FD8-4E82-AA66-1D498947CA43}" type="datetimeFigureOut">
               <a:rPr lang="en-CH" smtClean="0"/>
-              <a:t>11/07/2022</a:t>
+              <a:t>07/14/2022</a:t>
             </a:fld>
             <a:endParaRPr lang="en-CH"/>
           </a:p>
@@ -458,7 +548,7 @@
           <a:p>
             <a:fld id="{1945E603-6FD8-4E82-AA66-1D498947CA43}" type="datetimeFigureOut">
               <a:rPr lang="en-CH" smtClean="0"/>
-              <a:t>11/07/2022</a:t>
+              <a:t>07/14/2022</a:t>
             </a:fld>
             <a:endParaRPr lang="en-CH"/>
           </a:p>
@@ -668,7 +758,7 @@
           <a:p>
             <a:fld id="{1945E603-6FD8-4E82-AA66-1D498947CA43}" type="datetimeFigureOut">
               <a:rPr lang="en-CH" smtClean="0"/>
-              <a:t>11/07/2022</a:t>
+              <a:t>07/14/2022</a:t>
             </a:fld>
             <a:endParaRPr lang="en-CH"/>
           </a:p>
@@ -868,7 +958,7 @@
           <a:p>
             <a:fld id="{1945E603-6FD8-4E82-AA66-1D498947CA43}" type="datetimeFigureOut">
               <a:rPr lang="en-CH" smtClean="0"/>
-              <a:t>11/07/2022</a:t>
+              <a:t>07/14/2022</a:t>
             </a:fld>
             <a:endParaRPr lang="en-CH"/>
           </a:p>
@@ -1144,7 +1234,7 @@
           <a:p>
             <a:fld id="{1945E603-6FD8-4E82-AA66-1D498947CA43}" type="datetimeFigureOut">
               <a:rPr lang="en-CH" smtClean="0"/>
-              <a:t>11/07/2022</a:t>
+              <a:t>07/14/2022</a:t>
             </a:fld>
             <a:endParaRPr lang="en-CH"/>
           </a:p>
@@ -1412,7 +1502,7 @@
           <a:p>
             <a:fld id="{1945E603-6FD8-4E82-AA66-1D498947CA43}" type="datetimeFigureOut">
               <a:rPr lang="en-CH" smtClean="0"/>
-              <a:t>11/07/2022</a:t>
+              <a:t>07/14/2022</a:t>
             </a:fld>
             <a:endParaRPr lang="en-CH"/>
           </a:p>
@@ -1827,7 +1917,7 @@
           <a:p>
             <a:fld id="{1945E603-6FD8-4E82-AA66-1D498947CA43}" type="datetimeFigureOut">
               <a:rPr lang="en-CH" smtClean="0"/>
-              <a:t>11/07/2022</a:t>
+              <a:t>07/14/2022</a:t>
             </a:fld>
             <a:endParaRPr lang="en-CH"/>
           </a:p>
@@ -1969,7 +2059,7 @@
           <a:p>
             <a:fld id="{1945E603-6FD8-4E82-AA66-1D498947CA43}" type="datetimeFigureOut">
               <a:rPr lang="en-CH" smtClean="0"/>
-              <a:t>11/07/2022</a:t>
+              <a:t>07/14/2022</a:t>
             </a:fld>
             <a:endParaRPr lang="en-CH"/>
           </a:p>
@@ -2082,7 +2172,7 @@
           <a:p>
             <a:fld id="{1945E603-6FD8-4E82-AA66-1D498947CA43}" type="datetimeFigureOut">
               <a:rPr lang="en-CH" smtClean="0"/>
-              <a:t>11/07/2022</a:t>
+              <a:t>07/14/2022</a:t>
             </a:fld>
             <a:endParaRPr lang="en-CH"/>
           </a:p>
@@ -2395,7 +2485,7 @@
           <a:p>
             <a:fld id="{1945E603-6FD8-4E82-AA66-1D498947CA43}" type="datetimeFigureOut">
               <a:rPr lang="en-CH" smtClean="0"/>
-              <a:t>11/07/2022</a:t>
+              <a:t>07/14/2022</a:t>
             </a:fld>
             <a:endParaRPr lang="en-CH"/>
           </a:p>
@@ -2684,7 +2774,7 @@
           <a:p>
             <a:fld id="{1945E603-6FD8-4E82-AA66-1D498947CA43}" type="datetimeFigureOut">
               <a:rPr lang="en-CH" smtClean="0"/>
-              <a:t>11/07/2022</a:t>
+              <a:t>07/14/2022</a:t>
             </a:fld>
             <a:endParaRPr lang="en-CH"/>
           </a:p>
@@ -2927,7 +3017,7 @@
           <a:p>
             <a:fld id="{1945E603-6FD8-4E82-AA66-1D498947CA43}" type="datetimeFigureOut">
               <a:rPr lang="en-CH" smtClean="0"/>
-              <a:t>11/07/2022</a:t>
+              <a:t>07/14/2022</a:t>
             </a:fld>
             <a:endParaRPr lang="en-CH"/>
           </a:p>
@@ -3459,18 +3549,6 @@
                         </a:rPr>
                         <m:t>=</m:t>
                       </m:r>
-                      <m:r>
-                        <a:rPr lang="en-GB" sz="1800" b="0" i="1" smtClean="0">
-                          <a:latin typeface="Cambria Math" panose="02040503050406030204" pitchFamily="18" charset="0"/>
-                        </a:rPr>
-                        <m:t>1</m:t>
-                      </m:r>
-                      <m:r>
-                        <a:rPr lang="en-GB" sz="1800" b="0" i="1" smtClean="0">
-                          <a:latin typeface="Cambria Math" panose="02040503050406030204" pitchFamily="18" charset="0"/>
-                        </a:rPr>
-                        <m:t>−</m:t>
-                      </m:r>
                       <m:f>
                         <m:fPr>
                           <m:ctrlPr>
@@ -3498,10 +3576,10 @@
                             </m:e>
                             <m:sub>
                               <m:r>
-                                <a:rPr lang="en-GB" sz="1800" b="0" i="1" smtClean="0">
+                                <a:rPr lang="de-CH" sz="1800" b="0" i="1" smtClean="0">
                                   <a:latin typeface="Cambria Math" panose="02040503050406030204" pitchFamily="18" charset="0"/>
                                 </a:rPr>
-                                <m:t>𝑉</m:t>
+                                <m:t>𝐾</m:t>
                               </m:r>
                             </m:sub>
                           </m:sSub>
@@ -3529,6 +3607,37 @@
                                   <a:latin typeface="Cambria Math" panose="02040503050406030204" pitchFamily="18" charset="0"/>
                                 </a:rPr>
                                 <m:t>𝐾</m:t>
+                              </m:r>
+                            </m:sub>
+                          </m:sSub>
+                          <m:r>
+                            <a:rPr lang="de-CH" sz="1800" b="0" i="1" smtClean="0">
+                              <a:latin typeface="Cambria Math" panose="02040503050406030204" pitchFamily="18" charset="0"/>
+                            </a:rPr>
+                            <m:t>−</m:t>
+                          </m:r>
+                          <m:sSub>
+                            <m:sSubPr>
+                              <m:ctrlPr>
+                                <a:rPr lang="en-GB" sz="1800" i="1">
+                                  <a:latin typeface="Cambria Math" panose="02040503050406030204" pitchFamily="18" charset="0"/>
+                                </a:rPr>
+                              </m:ctrlPr>
+                            </m:sSubPr>
+                            <m:e>
+                              <m:r>
+                                <a:rPr lang="en-GB" sz="1800" i="1">
+                                  <a:latin typeface="Cambria Math" panose="02040503050406030204" pitchFamily="18" charset="0"/>
+                                </a:rPr>
+                                <m:t>𝑇</m:t>
+                              </m:r>
+                            </m:e>
+                            <m:sub>
+                              <m:r>
+                                <a:rPr lang="en-GB" sz="1800" i="1">
+                                  <a:latin typeface="Cambria Math" panose="02040503050406030204" pitchFamily="18" charset="0"/>
+                                </a:rPr>
+                                <m:t>𝑉</m:t>
                               </m:r>
                             </m:sub>
                           </m:sSub>
@@ -3825,7 +3934,7 @@
                         <m:t>𝑃𝑒</m:t>
                       </m:r>
                       <m:r>
-                        <a:rPr lang="en-GB" sz="1800" b="0" i="1" baseline="-25000" smtClean="0">
+                        <a:rPr lang="de-CH" sz="1800" b="0" i="1" baseline="-25000" smtClean="0">
                           <a:latin typeface="Cambria Math" panose="02040503050406030204" pitchFamily="18" charset="0"/>
                         </a:rPr>
                         <m:t>𝑙</m:t>
@@ -4370,7 +4479,7 @@
                     <a:ea typeface="+mn-ea"/>
                     <a:cs typeface="+mn-cs"/>
                   </a:rPr>
-                  <a:t>): range of 0.4-0.55</a:t>
+                  <a:t>): of 0.4</a:t>
                 </a:r>
                 <a:endParaRPr kumimoji="0" lang="en-CH" sz="1200" b="0" i="0" u="none" strike="noStrike" kern="1200" cap="none" spc="0" normalizeH="0" baseline="0" noProof="0" dirty="0">
                   <a:ln>
@@ -4430,7 +4539,7 @@
               <a:lstStyle/>
               <a:p>
                 <a:r>
-                  <a:rPr lang="en-CH">
+                  <a:rPr lang="en-US">
                     <a:noFill/>
                   </a:rPr>
                   <a:t> </a:t>
@@ -6945,53 +7054,1984 @@
           </a:p>
         </p:txBody>
       </p:sp>
+      <mc:AlternateContent xmlns:mc="http://schemas.openxmlformats.org/markup-compatibility/2006">
+        <mc:Choice xmlns:a14="http://schemas.microsoft.com/office/drawing/2010/main" Requires="a14">
+          <p:sp>
+            <p:nvSpPr>
+              <p:cNvPr id="5" name="Content Placeholder 4">
+                <a:extLst>
+                  <a:ext uri="{FF2B5EF4-FFF2-40B4-BE49-F238E27FC236}">
+                    <a16:creationId xmlns:a16="http://schemas.microsoft.com/office/drawing/2014/main" id="{4CDF34A6-A22D-A0F1-57D2-BD80A4E506A0}"/>
+                  </a:ext>
+                </a:extLst>
+              </p:cNvPr>
+              <p:cNvSpPr>
+                <a:spLocks noGrp="1"/>
+              </p:cNvSpPr>
+              <p:nvPr>
+                <p:ph sz="half" idx="1"/>
+              </p:nvPr>
+            </p:nvSpPr>
+            <p:spPr/>
+            <p:txBody>
+              <a:bodyPr>
+                <a:normAutofit/>
+              </a:bodyPr>
+              <a:lstStyle/>
+              <a:p>
+                <a:r>
+                  <a:rPr lang="en-GB" sz="1800" dirty="0"/>
+                  <a:t>Governing equations:</a:t>
+                </a:r>
+              </a:p>
+              <a:p>
+                <a:pPr marL="0" indent="0">
+                  <a:buNone/>
+                </a:pPr>
+                <a:endParaRPr lang="en-GB" sz="1800" dirty="0"/>
+              </a:p>
+              <a:p>
+                <a:pPr marL="0" indent="0">
+                  <a:buNone/>
+                </a:pPr>
+                <a14:m>
+                  <m:oMathPara xmlns:m="http://schemas.openxmlformats.org/officeDocument/2006/math">
+                    <m:oMathParaPr>
+                      <m:jc m:val="centerGroup"/>
+                    </m:oMathParaPr>
+                    <m:oMath xmlns:m="http://schemas.openxmlformats.org/officeDocument/2006/math">
+                      <m:sSub>
+                        <m:sSubPr>
+                          <m:ctrlPr>
+                            <a:rPr lang="en-GB" sz="1800" b="0" i="1" smtClean="0">
+                              <a:latin typeface="Cambria Math" panose="02040503050406030204" pitchFamily="18" charset="0"/>
+                            </a:rPr>
+                          </m:ctrlPr>
+                        </m:sSubPr>
+                        <m:e>
+                          <m:acc>
+                            <m:accPr>
+                              <m:chr m:val="̇"/>
+                              <m:ctrlPr>
+                                <a:rPr lang="en-GB" sz="1800" b="0" i="1" smtClean="0">
+                                  <a:latin typeface="Cambria Math" panose="02040503050406030204" pitchFamily="18" charset="0"/>
+                                </a:rPr>
+                              </m:ctrlPr>
+                            </m:accPr>
+                            <m:e>
+                              <m:r>
+                                <a:rPr lang="en-GB" sz="1800" b="0" i="1" smtClean="0">
+                                  <a:latin typeface="Cambria Math" panose="02040503050406030204" pitchFamily="18" charset="0"/>
+                                </a:rPr>
+                                <m:t>𝑄</m:t>
+                              </m:r>
+                            </m:e>
+                          </m:acc>
+                        </m:e>
+                        <m:sub>
+                          <m:r>
+                            <a:rPr lang="en-GB" sz="1800" b="0" i="1" smtClean="0">
+                              <a:latin typeface="Cambria Math" panose="02040503050406030204" pitchFamily="18" charset="0"/>
+                            </a:rPr>
+                            <m:t>𝐾</m:t>
+                          </m:r>
+                        </m:sub>
+                      </m:sSub>
+                      <m:d>
+                        <m:dPr>
+                          <m:ctrlPr>
+                            <a:rPr lang="de-CH" sz="1800" b="0" i="1" smtClean="0">
+                              <a:latin typeface="Cambria Math" panose="02040503050406030204" pitchFamily="18" charset="0"/>
+                            </a:rPr>
+                          </m:ctrlPr>
+                        </m:dPr>
+                        <m:e>
+                          <m:sSub>
+                            <m:sSubPr>
+                              <m:ctrlPr>
+                                <a:rPr lang="en-GB" sz="1800" i="1">
+                                  <a:latin typeface="Cambria Math" panose="02040503050406030204" pitchFamily="18" charset="0"/>
+                                </a:rPr>
+                              </m:ctrlPr>
+                            </m:sSubPr>
+                            <m:e>
+                              <m:r>
+                                <a:rPr lang="en-GB" sz="1800" i="1">
+                                  <a:latin typeface="Cambria Math" panose="02040503050406030204" pitchFamily="18" charset="0"/>
+                                </a:rPr>
+                                <m:t>𝑇</m:t>
+                              </m:r>
+                            </m:e>
+                            <m:sub>
+                              <m:r>
+                                <a:rPr lang="de-CH" sz="1800" i="1">
+                                  <a:latin typeface="Cambria Math" panose="02040503050406030204" pitchFamily="18" charset="0"/>
+                                </a:rPr>
+                                <m:t>𝑎𝑖𝑟</m:t>
+                              </m:r>
+                            </m:sub>
+                          </m:sSub>
+                        </m:e>
+                      </m:d>
+                      <m:r>
+                        <a:rPr lang="de-CH" sz="1800" b="0" i="0" smtClean="0">
+                          <a:latin typeface="Cambria Math" panose="02040503050406030204" pitchFamily="18" charset="0"/>
+                        </a:rPr>
+                        <m:t>=</m:t>
+                      </m:r>
+                      <m:r>
+                        <a:rPr lang="de-CH" sz="1800" b="0" i="1" smtClean="0">
+                          <a:latin typeface="Cambria Math" panose="02040503050406030204" pitchFamily="18" charset="0"/>
+                        </a:rPr>
+                        <m:t>𝐶𝑂𝑃</m:t>
+                      </m:r>
+                      <m:d>
+                        <m:dPr>
+                          <m:ctrlPr>
+                            <a:rPr lang="de-CH" sz="1800" i="1">
+                              <a:latin typeface="Cambria Math" panose="02040503050406030204" pitchFamily="18" charset="0"/>
+                            </a:rPr>
+                          </m:ctrlPr>
+                        </m:dPr>
+                        <m:e>
+                          <m:sSub>
+                            <m:sSubPr>
+                              <m:ctrlPr>
+                                <a:rPr lang="en-GB" sz="1800" i="1">
+                                  <a:latin typeface="Cambria Math" panose="02040503050406030204" pitchFamily="18" charset="0"/>
+                                </a:rPr>
+                              </m:ctrlPr>
+                            </m:sSubPr>
+                            <m:e>
+                              <m:r>
+                                <a:rPr lang="en-GB" sz="1800" i="1">
+                                  <a:latin typeface="Cambria Math" panose="02040503050406030204" pitchFamily="18" charset="0"/>
+                                </a:rPr>
+                                <m:t>𝑇</m:t>
+                              </m:r>
+                            </m:e>
+                            <m:sub>
+                              <m:r>
+                                <a:rPr lang="de-CH" sz="1800" i="1">
+                                  <a:latin typeface="Cambria Math" panose="02040503050406030204" pitchFamily="18" charset="0"/>
+                                </a:rPr>
+                                <m:t>𝑎𝑖𝑟</m:t>
+                              </m:r>
+                            </m:sub>
+                          </m:sSub>
+                        </m:e>
+                      </m:d>
+                      <m:r>
+                        <a:rPr lang="de-CH" sz="1800" b="0" i="1" smtClean="0">
+                          <a:latin typeface="Cambria Math" panose="02040503050406030204" pitchFamily="18" charset="0"/>
+                        </a:rPr>
+                        <m:t>∗</m:t>
+                      </m:r>
+                      <m:r>
+                        <a:rPr lang="en-GB" sz="1800" i="1">
+                          <a:latin typeface="Cambria Math" panose="02040503050406030204" pitchFamily="18" charset="0"/>
+                        </a:rPr>
+                        <m:t>𝑃</m:t>
+                      </m:r>
+                      <m:r>
+                        <a:rPr lang="de-CH" sz="1800" i="1" baseline="-25000">
+                          <a:latin typeface="Cambria Math" panose="02040503050406030204" pitchFamily="18" charset="0"/>
+                        </a:rPr>
+                        <m:t>𝑒𝑙</m:t>
+                      </m:r>
+                    </m:oMath>
+                  </m:oMathPara>
+                </a14:m>
+                <a:endParaRPr lang="en-GB" sz="1800" dirty="0"/>
+              </a:p>
+              <a:p>
+                <a:pPr marL="0" indent="0">
+                  <a:buNone/>
+                </a:pPr>
+                <a14:m>
+                  <m:oMathPara xmlns:m="http://schemas.openxmlformats.org/officeDocument/2006/math">
+                    <m:oMathParaPr>
+                      <m:jc m:val="centerGroup"/>
+                    </m:oMathParaPr>
+                    <m:oMath xmlns:m="http://schemas.openxmlformats.org/officeDocument/2006/math">
+                      <m:r>
+                        <a:rPr lang="de-CH" sz="1800" b="0" i="1" smtClean="0">
+                          <a:latin typeface="Cambria Math" panose="02040503050406030204" pitchFamily="18" charset="0"/>
+                        </a:rPr>
+                        <m:t>𝐶𝑂𝑃</m:t>
+                      </m:r>
+                      <m:d>
+                        <m:dPr>
+                          <m:ctrlPr>
+                            <a:rPr lang="de-CH" sz="1800" i="1">
+                              <a:latin typeface="Cambria Math" panose="02040503050406030204" pitchFamily="18" charset="0"/>
+                            </a:rPr>
+                          </m:ctrlPr>
+                        </m:dPr>
+                        <m:e>
+                          <m:sSub>
+                            <m:sSubPr>
+                              <m:ctrlPr>
+                                <a:rPr lang="en-GB" sz="1800" i="1">
+                                  <a:latin typeface="Cambria Math" panose="02040503050406030204" pitchFamily="18" charset="0"/>
+                                </a:rPr>
+                              </m:ctrlPr>
+                            </m:sSubPr>
+                            <m:e>
+                              <m:r>
+                                <a:rPr lang="en-GB" sz="1800" i="1">
+                                  <a:latin typeface="Cambria Math" panose="02040503050406030204" pitchFamily="18" charset="0"/>
+                                </a:rPr>
+                                <m:t>𝑇</m:t>
+                              </m:r>
+                            </m:e>
+                            <m:sub>
+                              <m:r>
+                                <a:rPr lang="de-CH" sz="1800" i="1">
+                                  <a:latin typeface="Cambria Math" panose="02040503050406030204" pitchFamily="18" charset="0"/>
+                                </a:rPr>
+                                <m:t>𝑎𝑖𝑟</m:t>
+                              </m:r>
+                            </m:sub>
+                          </m:sSub>
+                        </m:e>
+                      </m:d>
+                      <m:r>
+                        <a:rPr lang="de-CH" sz="1800" b="0" i="1" smtClean="0">
+                          <a:latin typeface="Cambria Math" panose="02040503050406030204" pitchFamily="18" charset="0"/>
+                        </a:rPr>
+                        <m:t>=</m:t>
+                      </m:r>
+                      <m:sSub>
+                        <m:sSubPr>
+                          <m:ctrlPr>
+                            <a:rPr lang="en-GB" sz="1800" i="1">
+                              <a:latin typeface="Cambria Math" panose="02040503050406030204" pitchFamily="18" charset="0"/>
+                            </a:rPr>
+                          </m:ctrlPr>
+                        </m:sSubPr>
+                        <m:e>
+                          <m:acc>
+                            <m:accPr>
+                              <m:chr m:val="̇"/>
+                              <m:ctrlPr>
+                                <a:rPr lang="en-GB" sz="1800" i="1">
+                                  <a:latin typeface="Cambria Math" panose="02040503050406030204" pitchFamily="18" charset="0"/>
+                                </a:rPr>
+                              </m:ctrlPr>
+                            </m:accPr>
+                            <m:e>
+                              <m:r>
+                                <a:rPr lang="en-GB" sz="1800" i="1">
+                                  <a:latin typeface="Cambria Math" panose="02040503050406030204" pitchFamily="18" charset="0"/>
+                                </a:rPr>
+                                <m:t>𝑄</m:t>
+                              </m:r>
+                            </m:e>
+                          </m:acc>
+                        </m:e>
+                        <m:sub>
+                          <m:r>
+                            <a:rPr lang="en-GB" sz="1800" i="1">
+                              <a:latin typeface="Cambria Math" panose="02040503050406030204" pitchFamily="18" charset="0"/>
+                            </a:rPr>
+                            <m:t>𝐾</m:t>
+                          </m:r>
+                        </m:sub>
+                      </m:sSub>
+                      <m:d>
+                        <m:dPr>
+                          <m:ctrlPr>
+                            <a:rPr lang="de-CH" sz="1800" i="1">
+                              <a:latin typeface="Cambria Math" panose="02040503050406030204" pitchFamily="18" charset="0"/>
+                            </a:rPr>
+                          </m:ctrlPr>
+                        </m:dPr>
+                        <m:e>
+                          <m:sSub>
+                            <m:sSubPr>
+                              <m:ctrlPr>
+                                <a:rPr lang="en-GB" sz="1800" i="1">
+                                  <a:latin typeface="Cambria Math" panose="02040503050406030204" pitchFamily="18" charset="0"/>
+                                </a:rPr>
+                              </m:ctrlPr>
+                            </m:sSubPr>
+                            <m:e>
+                              <m:r>
+                                <a:rPr lang="en-GB" sz="1800" i="1">
+                                  <a:latin typeface="Cambria Math" panose="02040503050406030204" pitchFamily="18" charset="0"/>
+                                </a:rPr>
+                                <m:t>𝑇</m:t>
+                              </m:r>
+                            </m:e>
+                            <m:sub>
+                              <m:r>
+                                <a:rPr lang="de-CH" sz="1800" i="1">
+                                  <a:latin typeface="Cambria Math" panose="02040503050406030204" pitchFamily="18" charset="0"/>
+                                </a:rPr>
+                                <m:t>𝑎𝑖𝑟</m:t>
+                              </m:r>
+                            </m:sub>
+                          </m:sSub>
+                        </m:e>
+                      </m:d>
+                      <m:r>
+                        <a:rPr lang="de-CH" sz="1800" b="0" i="1" smtClean="0">
+                          <a:latin typeface="Cambria Math" panose="02040503050406030204" pitchFamily="18" charset="0"/>
+                        </a:rPr>
+                        <m:t>/</m:t>
+                      </m:r>
+                      <m:r>
+                        <a:rPr lang="en-GB" sz="1800" i="1">
+                          <a:latin typeface="Cambria Math" panose="02040503050406030204" pitchFamily="18" charset="0"/>
+                        </a:rPr>
+                        <m:t>𝑃</m:t>
+                      </m:r>
+                      <m:r>
+                        <a:rPr lang="de-CH" sz="1800" i="1" baseline="-25000">
+                          <a:latin typeface="Cambria Math" panose="02040503050406030204" pitchFamily="18" charset="0"/>
+                        </a:rPr>
+                        <m:t>𝑒𝑙</m:t>
+                      </m:r>
+                    </m:oMath>
+                  </m:oMathPara>
+                </a14:m>
+                <a:endParaRPr lang="en-GB" sz="1800" dirty="0"/>
+              </a:p>
+              <a:p>
+                <a:pPr marL="0" indent="0">
+                  <a:buNone/>
+                </a:pPr>
+                <a:endParaRPr lang="en-GB" sz="1800" dirty="0"/>
+              </a:p>
+              <a:p>
+                <a:pPr marL="0" indent="0">
+                  <a:buNone/>
+                </a:pPr>
+                <a14:m>
+                  <m:oMathPara xmlns:m="http://schemas.openxmlformats.org/officeDocument/2006/math">
+                    <m:oMathParaPr>
+                      <m:jc m:val="centerGroup"/>
+                    </m:oMathParaPr>
+                    <m:oMath xmlns:m="http://schemas.openxmlformats.org/officeDocument/2006/math">
+                      <m:r>
+                        <a:rPr lang="de-CH" sz="1800" i="1" smtClean="0">
+                          <a:latin typeface="Cambria Math" panose="02040503050406030204" pitchFamily="18" charset="0"/>
+                        </a:rPr>
+                        <m:t>𝛿</m:t>
+                      </m:r>
+                      <m:r>
+                        <a:rPr lang="de-CH" sz="1800" i="1" smtClean="0">
+                          <a:latin typeface="Cambria Math" panose="02040503050406030204" pitchFamily="18" charset="0"/>
+                        </a:rPr>
+                        <m:t>𝐶𝑂𝑃</m:t>
+                      </m:r>
+                      <m:d>
+                        <m:dPr>
+                          <m:ctrlPr>
+                            <a:rPr lang="de-CH" sz="1800" i="1">
+                              <a:latin typeface="Cambria Math" panose="02040503050406030204" pitchFamily="18" charset="0"/>
+                            </a:rPr>
+                          </m:ctrlPr>
+                        </m:dPr>
+                        <m:e>
+                          <m:sSub>
+                            <m:sSubPr>
+                              <m:ctrlPr>
+                                <a:rPr lang="en-GB" sz="1800" i="1">
+                                  <a:latin typeface="Cambria Math" panose="02040503050406030204" pitchFamily="18" charset="0"/>
+                                </a:rPr>
+                              </m:ctrlPr>
+                            </m:sSubPr>
+                            <m:e>
+                              <m:r>
+                                <a:rPr lang="en-GB" sz="1800" i="1">
+                                  <a:latin typeface="Cambria Math" panose="02040503050406030204" pitchFamily="18" charset="0"/>
+                                </a:rPr>
+                                <m:t>𝑇</m:t>
+                              </m:r>
+                            </m:e>
+                            <m:sub>
+                              <m:r>
+                                <a:rPr lang="de-CH" sz="1800" i="1">
+                                  <a:latin typeface="Cambria Math" panose="02040503050406030204" pitchFamily="18" charset="0"/>
+                                </a:rPr>
+                                <m:t>𝑎𝑖𝑟</m:t>
+                              </m:r>
+                            </m:sub>
+                          </m:sSub>
+                        </m:e>
+                      </m:d>
+                      <m:r>
+                        <a:rPr lang="de-CH" sz="1800" b="0" i="0" smtClean="0">
+                          <a:latin typeface="Cambria Math" panose="02040503050406030204" pitchFamily="18" charset="0"/>
+                        </a:rPr>
+                        <m:t>=</m:t>
+                      </m:r>
+                      <m:r>
+                        <a:rPr lang="de-CH" sz="1800" i="1">
+                          <a:latin typeface="Cambria Math" panose="02040503050406030204" pitchFamily="18" charset="0"/>
+                        </a:rPr>
+                        <m:t>𝐶</m:t>
+                      </m:r>
+                      <m:r>
+                        <a:rPr lang="de-CH" sz="1800" b="0" i="1" smtClean="0">
+                          <a:latin typeface="Cambria Math" panose="02040503050406030204" pitchFamily="18" charset="0"/>
+                        </a:rPr>
+                        <m:t>𝑂𝑃</m:t>
+                      </m:r>
+                      <m:d>
+                        <m:dPr>
+                          <m:ctrlPr>
+                            <a:rPr lang="de-CH" sz="1800" i="1">
+                              <a:latin typeface="Cambria Math" panose="02040503050406030204" pitchFamily="18" charset="0"/>
+                            </a:rPr>
+                          </m:ctrlPr>
+                        </m:dPr>
+                        <m:e>
+                          <m:sSub>
+                            <m:sSubPr>
+                              <m:ctrlPr>
+                                <a:rPr lang="en-GB" sz="1800" i="1">
+                                  <a:latin typeface="Cambria Math" panose="02040503050406030204" pitchFamily="18" charset="0"/>
+                                </a:rPr>
+                              </m:ctrlPr>
+                            </m:sSubPr>
+                            <m:e>
+                              <m:r>
+                                <a:rPr lang="en-GB" sz="1800" i="1">
+                                  <a:latin typeface="Cambria Math" panose="02040503050406030204" pitchFamily="18" charset="0"/>
+                                </a:rPr>
+                                <m:t>𝑇</m:t>
+                              </m:r>
+                            </m:e>
+                            <m:sub>
+                              <m:r>
+                                <a:rPr lang="de-CH" sz="1800" i="1">
+                                  <a:latin typeface="Cambria Math" panose="02040503050406030204" pitchFamily="18" charset="0"/>
+                                </a:rPr>
+                                <m:t>𝑎𝑖𝑟</m:t>
+                              </m:r>
+                            </m:sub>
+                          </m:sSub>
+                        </m:e>
+                      </m:d>
+                      <m:sSub>
+                        <m:sSubPr>
+                          <m:ctrlPr>
+                            <a:rPr lang="en-GB" sz="1800" i="1">
+                              <a:latin typeface="Cambria Math" panose="02040503050406030204" pitchFamily="18" charset="0"/>
+                            </a:rPr>
+                          </m:ctrlPr>
+                        </m:sSubPr>
+                        <m:e>
+                          <m:r>
+                            <a:rPr lang="de-CH" sz="1800" i="1">
+                              <a:latin typeface="Cambria Math" panose="02040503050406030204" pitchFamily="18" charset="0"/>
+                            </a:rPr>
+                            <m:t>−</m:t>
+                          </m:r>
+                          <m:r>
+                            <a:rPr lang="en-GB" sz="1800" i="1">
+                              <a:latin typeface="Cambria Math" panose="02040503050406030204" pitchFamily="18" charset="0"/>
+                            </a:rPr>
+                            <m:t>𝐶𝑂𝑃</m:t>
+                          </m:r>
+                        </m:e>
+                        <m:sub>
+                          <m:r>
+                            <a:rPr lang="en-GB" sz="1800" i="1">
+                              <a:latin typeface="Cambria Math" panose="02040503050406030204" pitchFamily="18" charset="0"/>
+                            </a:rPr>
+                            <m:t>𝑟𝑒𝑎𝑙</m:t>
+                          </m:r>
+                        </m:sub>
+                      </m:sSub>
+                      <m:r>
+                        <a:rPr lang="de-CH" sz="1800" b="0" i="1" smtClean="0">
+                          <a:latin typeface="Cambria Math" panose="02040503050406030204" pitchFamily="18" charset="0"/>
+                        </a:rPr>
+                        <m:t>=</m:t>
+                      </m:r>
+                    </m:oMath>
+                  </m:oMathPara>
+                </a14:m>
+                <a:endParaRPr lang="de-CH" sz="1800" b="0" i="1" dirty="0">
+                  <a:latin typeface="Cambria Math" panose="02040503050406030204" pitchFamily="18" charset="0"/>
+                </a:endParaRPr>
+              </a:p>
+              <a:p>
+                <a:pPr marL="0" indent="0">
+                  <a:buNone/>
+                </a:pPr>
+                <a14:m>
+                  <m:oMathPara xmlns:m="http://schemas.openxmlformats.org/officeDocument/2006/math">
+                    <m:oMathParaPr>
+                      <m:jc m:val="centerGroup"/>
+                    </m:oMathParaPr>
+                    <m:oMath xmlns:m="http://schemas.openxmlformats.org/officeDocument/2006/math">
+                      <m:f>
+                        <m:fPr>
+                          <m:ctrlPr>
+                            <a:rPr lang="de-CH" sz="1800" i="1">
+                              <a:latin typeface="Cambria Math" panose="02040503050406030204" pitchFamily="18" charset="0"/>
+                            </a:rPr>
+                          </m:ctrlPr>
+                        </m:fPr>
+                        <m:num>
+                          <m:sSub>
+                            <m:sSubPr>
+                              <m:ctrlPr>
+                                <a:rPr lang="en-GB" sz="1800" i="1">
+                                  <a:latin typeface="Cambria Math" panose="02040503050406030204" pitchFamily="18" charset="0"/>
+                                </a:rPr>
+                              </m:ctrlPr>
+                            </m:sSubPr>
+                            <m:e>
+                              <m:acc>
+                                <m:accPr>
+                                  <m:chr m:val="̇"/>
+                                  <m:ctrlPr>
+                                    <a:rPr lang="en-GB" sz="1800" i="1">
+                                      <a:latin typeface="Cambria Math" panose="02040503050406030204" pitchFamily="18" charset="0"/>
+                                    </a:rPr>
+                                  </m:ctrlPr>
+                                </m:accPr>
+                                <m:e>
+                                  <m:r>
+                                    <a:rPr lang="en-GB" sz="1800" i="1">
+                                      <a:latin typeface="Cambria Math" panose="02040503050406030204" pitchFamily="18" charset="0"/>
+                                    </a:rPr>
+                                    <m:t>𝑄</m:t>
+                                  </m:r>
+                                </m:e>
+                              </m:acc>
+                            </m:e>
+                            <m:sub>
+                              <m:r>
+                                <a:rPr lang="en-GB" sz="1800" i="1">
+                                  <a:latin typeface="Cambria Math" panose="02040503050406030204" pitchFamily="18" charset="0"/>
+                                </a:rPr>
+                                <m:t>𝐾</m:t>
+                              </m:r>
+                            </m:sub>
+                          </m:sSub>
+                          <m:d>
+                            <m:dPr>
+                              <m:ctrlPr>
+                                <a:rPr lang="de-CH" sz="1800" i="1">
+                                  <a:latin typeface="Cambria Math" panose="02040503050406030204" pitchFamily="18" charset="0"/>
+                                </a:rPr>
+                              </m:ctrlPr>
+                            </m:dPr>
+                            <m:e>
+                              <m:sSub>
+                                <m:sSubPr>
+                                  <m:ctrlPr>
+                                    <a:rPr lang="en-GB" sz="1800" i="1">
+                                      <a:latin typeface="Cambria Math" panose="02040503050406030204" pitchFamily="18" charset="0"/>
+                                    </a:rPr>
+                                  </m:ctrlPr>
+                                </m:sSubPr>
+                                <m:e>
+                                  <m:r>
+                                    <a:rPr lang="en-GB" sz="1800" i="1">
+                                      <a:latin typeface="Cambria Math" panose="02040503050406030204" pitchFamily="18" charset="0"/>
+                                    </a:rPr>
+                                    <m:t>𝑇</m:t>
+                                  </m:r>
+                                </m:e>
+                                <m:sub>
+                                  <m:r>
+                                    <a:rPr lang="de-CH" sz="1800" i="1">
+                                      <a:latin typeface="Cambria Math" panose="02040503050406030204" pitchFamily="18" charset="0"/>
+                                    </a:rPr>
+                                    <m:t>𝑎𝑖𝑟</m:t>
+                                  </m:r>
+                                </m:sub>
+                              </m:sSub>
+                            </m:e>
+                          </m:d>
+                        </m:num>
+                        <m:den>
+                          <m:r>
+                            <a:rPr lang="en-GB" sz="1800" i="1">
+                              <a:latin typeface="Cambria Math" panose="02040503050406030204" pitchFamily="18" charset="0"/>
+                            </a:rPr>
+                            <m:t>𝑃</m:t>
+                          </m:r>
+                          <m:r>
+                            <a:rPr lang="de-CH" sz="1800" i="1" baseline="-25000">
+                              <a:latin typeface="Cambria Math" panose="02040503050406030204" pitchFamily="18" charset="0"/>
+                            </a:rPr>
+                            <m:t>𝑒𝑙</m:t>
+                          </m:r>
+                        </m:den>
+                      </m:f>
+                      <m:r>
+                        <a:rPr lang="de-CH" sz="1800" i="1" smtClean="0">
+                          <a:latin typeface="Cambria Math" panose="02040503050406030204" pitchFamily="18" charset="0"/>
+                        </a:rPr>
+                        <m:t>−</m:t>
+                      </m:r>
+                      <m:sSub>
+                        <m:sSubPr>
+                          <m:ctrlPr>
+                            <a:rPr lang="en-GB" sz="1800" i="1">
+                              <a:latin typeface="Cambria Math" panose="02040503050406030204" pitchFamily="18" charset="0"/>
+                              <a:ea typeface="Cambria Math" panose="02040503050406030204" pitchFamily="18" charset="0"/>
+                            </a:rPr>
+                          </m:ctrlPr>
+                        </m:sSubPr>
+                        <m:e>
+                          <m:r>
+                            <a:rPr lang="en-GB" sz="1800" i="1">
+                              <a:latin typeface="Cambria Math" panose="02040503050406030204" pitchFamily="18" charset="0"/>
+                              <a:ea typeface="Cambria Math" panose="02040503050406030204" pitchFamily="18" charset="0"/>
+                            </a:rPr>
+                            <m:t>𝜂</m:t>
+                          </m:r>
+                        </m:e>
+                        <m:sub>
+                          <m:r>
+                            <a:rPr lang="en-GB" sz="1800" i="1">
+                              <a:latin typeface="Cambria Math" panose="02040503050406030204" pitchFamily="18" charset="0"/>
+                              <a:ea typeface="Cambria Math" panose="02040503050406030204" pitchFamily="18" charset="0"/>
+                            </a:rPr>
+                            <m:t>𝐼𝐼</m:t>
+                          </m:r>
+                        </m:sub>
+                      </m:sSub>
+                      <m:sSub>
+                        <m:sSubPr>
+                          <m:ctrlPr>
+                            <a:rPr lang="en-GB" sz="1800" i="1">
+                              <a:latin typeface="Cambria Math" panose="02040503050406030204" pitchFamily="18" charset="0"/>
+                              <a:ea typeface="Cambria Math" panose="02040503050406030204" pitchFamily="18" charset="0"/>
+                            </a:rPr>
+                          </m:ctrlPr>
+                        </m:sSubPr>
+                        <m:e>
+                          <m:r>
+                            <a:rPr lang="en-GB" sz="1800" i="1">
+                              <a:latin typeface="Cambria Math" panose="02040503050406030204" pitchFamily="18" charset="0"/>
+                              <a:ea typeface="Cambria Math" panose="02040503050406030204" pitchFamily="18" charset="0"/>
+                            </a:rPr>
+                            <m:t>𝐶𝑂𝑃</m:t>
+                          </m:r>
+                        </m:e>
+                        <m:sub>
+                          <m:r>
+                            <a:rPr lang="en-GB" sz="1800" i="1">
+                              <a:latin typeface="Cambria Math" panose="02040503050406030204" pitchFamily="18" charset="0"/>
+                              <a:ea typeface="Cambria Math" panose="02040503050406030204" pitchFamily="18" charset="0"/>
+                            </a:rPr>
+                            <m:t>𝑐𝑎𝑟𝑛𝑜𝑡</m:t>
+                          </m:r>
+                        </m:sub>
+                      </m:sSub>
+                      <m:r>
+                        <a:rPr lang="de-CH" sz="1800" b="0" i="1" smtClean="0">
+                          <a:latin typeface="Cambria Math" panose="02040503050406030204" pitchFamily="18" charset="0"/>
+                          <a:ea typeface="Cambria Math" panose="02040503050406030204" pitchFamily="18" charset="0"/>
+                        </a:rPr>
+                        <m:t>=</m:t>
+                      </m:r>
+                    </m:oMath>
+                  </m:oMathPara>
+                </a14:m>
+                <a:endParaRPr lang="de-CH" sz="1800" b="0" i="1" dirty="0">
+                  <a:latin typeface="Cambria Math" panose="02040503050406030204" pitchFamily="18" charset="0"/>
+                </a:endParaRPr>
+              </a:p>
+              <a:p>
+                <a:pPr marL="0" indent="0">
+                  <a:buNone/>
+                </a:pPr>
+                <a14:m>
+                  <m:oMathPara xmlns:m="http://schemas.openxmlformats.org/officeDocument/2006/math">
+                    <m:oMathParaPr>
+                      <m:jc m:val="centerGroup"/>
+                    </m:oMathParaPr>
+                    <m:oMath xmlns:m="http://schemas.openxmlformats.org/officeDocument/2006/math">
+                      <m:sSub>
+                        <m:sSubPr>
+                          <m:ctrlPr>
+                            <a:rPr lang="en-GB" sz="1800" i="1">
+                              <a:latin typeface="Cambria Math" panose="02040503050406030204" pitchFamily="18" charset="0"/>
+                            </a:rPr>
+                          </m:ctrlPr>
+                        </m:sSubPr>
+                        <m:e>
+                          <m:acc>
+                            <m:accPr>
+                              <m:chr m:val="̇"/>
+                              <m:ctrlPr>
+                                <a:rPr lang="en-GB" sz="1800" i="1">
+                                  <a:latin typeface="Cambria Math" panose="02040503050406030204" pitchFamily="18" charset="0"/>
+                                </a:rPr>
+                              </m:ctrlPr>
+                            </m:accPr>
+                            <m:e>
+                              <m:r>
+                                <a:rPr lang="en-GB" sz="1800" i="1">
+                                  <a:latin typeface="Cambria Math" panose="02040503050406030204" pitchFamily="18" charset="0"/>
+                                </a:rPr>
+                                <m:t>𝑄</m:t>
+                              </m:r>
+                            </m:e>
+                          </m:acc>
+                        </m:e>
+                        <m:sub>
+                          <m:r>
+                            <a:rPr lang="en-GB" sz="1800" i="1">
+                              <a:latin typeface="Cambria Math" panose="02040503050406030204" pitchFamily="18" charset="0"/>
+                            </a:rPr>
+                            <m:t>𝐾</m:t>
+                          </m:r>
+                        </m:sub>
+                      </m:sSub>
+                      <m:d>
+                        <m:dPr>
+                          <m:ctrlPr>
+                            <a:rPr lang="de-CH" sz="1800" i="1">
+                              <a:latin typeface="Cambria Math" panose="02040503050406030204" pitchFamily="18" charset="0"/>
+                            </a:rPr>
+                          </m:ctrlPr>
+                        </m:dPr>
+                        <m:e>
+                          <m:sSub>
+                            <m:sSubPr>
+                              <m:ctrlPr>
+                                <a:rPr lang="en-GB" sz="1800" i="1">
+                                  <a:latin typeface="Cambria Math" panose="02040503050406030204" pitchFamily="18" charset="0"/>
+                                </a:rPr>
+                              </m:ctrlPr>
+                            </m:sSubPr>
+                            <m:e>
+                              <m:r>
+                                <a:rPr lang="en-GB" sz="1800" i="1">
+                                  <a:latin typeface="Cambria Math" panose="02040503050406030204" pitchFamily="18" charset="0"/>
+                                </a:rPr>
+                                <m:t>𝑇</m:t>
+                              </m:r>
+                            </m:e>
+                            <m:sub>
+                              <m:r>
+                                <a:rPr lang="de-CH" sz="1800" i="1">
+                                  <a:latin typeface="Cambria Math" panose="02040503050406030204" pitchFamily="18" charset="0"/>
+                                </a:rPr>
+                                <m:t>𝑎𝑖𝑟</m:t>
+                              </m:r>
+                            </m:sub>
+                          </m:sSub>
+                        </m:e>
+                      </m:d>
+                      <m:r>
+                        <a:rPr lang="de-CH" sz="1800" i="1">
+                          <a:latin typeface="Cambria Math" panose="02040503050406030204" pitchFamily="18" charset="0"/>
+                        </a:rPr>
+                        <m:t>/</m:t>
+                      </m:r>
+                      <m:r>
+                        <a:rPr lang="en-GB" sz="1800" i="1">
+                          <a:latin typeface="Cambria Math" panose="02040503050406030204" pitchFamily="18" charset="0"/>
+                        </a:rPr>
+                        <m:t>𝑃</m:t>
+                      </m:r>
+                      <m:r>
+                        <a:rPr lang="de-CH" sz="1800" i="1" baseline="-25000">
+                          <a:latin typeface="Cambria Math" panose="02040503050406030204" pitchFamily="18" charset="0"/>
+                        </a:rPr>
+                        <m:t>𝑒𝑙</m:t>
+                      </m:r>
+                      <m:r>
+                        <a:rPr lang="de-CH" sz="1800" i="1" smtClean="0">
+                          <a:latin typeface="Cambria Math" panose="02040503050406030204" pitchFamily="18" charset="0"/>
+                        </a:rPr>
+                        <m:t>−</m:t>
+                      </m:r>
+                      <m:r>
+                        <a:rPr lang="de-CH" sz="1800" i="1" smtClean="0">
+                          <a:latin typeface="Cambria Math" panose="02040503050406030204" pitchFamily="18" charset="0"/>
+                          <a:ea typeface="Cambria Math" panose="02040503050406030204" pitchFamily="18" charset="0"/>
+                        </a:rPr>
+                        <m:t>0</m:t>
+                      </m:r>
+                      <m:r>
+                        <a:rPr lang="de-CH" sz="1800" i="1" smtClean="0">
+                          <a:latin typeface="Cambria Math" panose="02040503050406030204" pitchFamily="18" charset="0"/>
+                          <a:ea typeface="Cambria Math" panose="02040503050406030204" pitchFamily="18" charset="0"/>
+                        </a:rPr>
+                        <m:t>.</m:t>
+                      </m:r>
+                      <m:r>
+                        <a:rPr lang="de-CH" sz="1800" i="1" smtClean="0">
+                          <a:latin typeface="Cambria Math" panose="02040503050406030204" pitchFamily="18" charset="0"/>
+                          <a:ea typeface="Cambria Math" panose="02040503050406030204" pitchFamily="18" charset="0"/>
+                        </a:rPr>
+                        <m:t>4</m:t>
+                      </m:r>
+                      <m:r>
+                        <a:rPr lang="de-CH" sz="1800" i="1" smtClean="0">
+                          <a:latin typeface="Cambria Math" panose="02040503050406030204" pitchFamily="18" charset="0"/>
+                          <a:ea typeface="Cambria Math" panose="02040503050406030204" pitchFamily="18" charset="0"/>
+                        </a:rPr>
+                        <m:t>∗</m:t>
+                      </m:r>
+                      <m:f>
+                        <m:fPr>
+                          <m:ctrlPr>
+                            <a:rPr lang="en-GB" sz="1800" i="1">
+                              <a:latin typeface="Cambria Math" panose="02040503050406030204" pitchFamily="18" charset="0"/>
+                            </a:rPr>
+                          </m:ctrlPr>
+                        </m:fPr>
+                        <m:num>
+                          <m:sSub>
+                            <m:sSubPr>
+                              <m:ctrlPr>
+                                <a:rPr lang="en-GB" sz="1800" i="1">
+                                  <a:latin typeface="Cambria Math" panose="02040503050406030204" pitchFamily="18" charset="0"/>
+                                </a:rPr>
+                              </m:ctrlPr>
+                            </m:sSubPr>
+                            <m:e>
+                              <m:r>
+                                <a:rPr lang="en-GB" sz="1800" i="1">
+                                  <a:latin typeface="Cambria Math" panose="02040503050406030204" pitchFamily="18" charset="0"/>
+                                </a:rPr>
+                                <m:t>𝑇</m:t>
+                              </m:r>
+                            </m:e>
+                            <m:sub>
+                              <m:r>
+                                <a:rPr lang="de-CH" sz="1800" i="1">
+                                  <a:latin typeface="Cambria Math" panose="02040503050406030204" pitchFamily="18" charset="0"/>
+                                </a:rPr>
+                                <m:t>𝐾</m:t>
+                              </m:r>
+                            </m:sub>
+                          </m:sSub>
+                        </m:num>
+                        <m:den>
+                          <m:sSub>
+                            <m:sSubPr>
+                              <m:ctrlPr>
+                                <a:rPr lang="en-GB" sz="1800" i="1">
+                                  <a:latin typeface="Cambria Math" panose="02040503050406030204" pitchFamily="18" charset="0"/>
+                                </a:rPr>
+                              </m:ctrlPr>
+                            </m:sSubPr>
+                            <m:e>
+                              <m:r>
+                                <a:rPr lang="en-GB" sz="1800" i="1">
+                                  <a:latin typeface="Cambria Math" panose="02040503050406030204" pitchFamily="18" charset="0"/>
+                                </a:rPr>
+                                <m:t>𝑇</m:t>
+                              </m:r>
+                            </m:e>
+                            <m:sub>
+                              <m:r>
+                                <a:rPr lang="en-GB" sz="1800" i="1">
+                                  <a:latin typeface="Cambria Math" panose="02040503050406030204" pitchFamily="18" charset="0"/>
+                                </a:rPr>
+                                <m:t>𝐾</m:t>
+                              </m:r>
+                            </m:sub>
+                          </m:sSub>
+                          <m:r>
+                            <a:rPr lang="de-CH" sz="1800" i="1">
+                              <a:latin typeface="Cambria Math" panose="02040503050406030204" pitchFamily="18" charset="0"/>
+                            </a:rPr>
+                            <m:t>−</m:t>
+                          </m:r>
+                          <m:sSub>
+                            <m:sSubPr>
+                              <m:ctrlPr>
+                                <a:rPr lang="en-GB" sz="1800" i="1">
+                                  <a:latin typeface="Cambria Math" panose="02040503050406030204" pitchFamily="18" charset="0"/>
+                                </a:rPr>
+                              </m:ctrlPr>
+                            </m:sSubPr>
+                            <m:e>
+                              <m:r>
+                                <a:rPr lang="en-GB" sz="1800" i="1">
+                                  <a:latin typeface="Cambria Math" panose="02040503050406030204" pitchFamily="18" charset="0"/>
+                                </a:rPr>
+                                <m:t>𝑇</m:t>
+                              </m:r>
+                            </m:e>
+                            <m:sub>
+                              <m:r>
+                                <a:rPr lang="en-GB" sz="1800" i="1">
+                                  <a:latin typeface="Cambria Math" panose="02040503050406030204" pitchFamily="18" charset="0"/>
+                                </a:rPr>
+                                <m:t>𝑉</m:t>
+                              </m:r>
+                            </m:sub>
+                          </m:sSub>
+                        </m:den>
+                      </m:f>
+                    </m:oMath>
+                  </m:oMathPara>
+                </a14:m>
+                <a:endParaRPr lang="en-GB" sz="1800" dirty="0"/>
+              </a:p>
+              <a:p>
+                <a:pPr marL="0" indent="0">
+                  <a:buNone/>
+                </a:pPr>
+                <a:endParaRPr lang="en-GB" sz="1800" dirty="0"/>
+              </a:p>
+              <a:p>
+                <a:pPr marL="0" indent="0">
+                  <a:buNone/>
+                </a:pPr>
+                <a14:m>
+                  <m:oMathPara xmlns:m="http://schemas.openxmlformats.org/officeDocument/2006/math">
+                    <m:oMathParaPr>
+                      <m:jc m:val="centerGroup"/>
+                    </m:oMathParaPr>
+                    <m:oMath xmlns:m="http://schemas.openxmlformats.org/officeDocument/2006/math">
+                      <m:r>
+                        <a:rPr lang="de-CH" sz="1800" i="1" smtClean="0">
+                          <a:latin typeface="Cambria Math" panose="02040503050406030204" pitchFamily="18" charset="0"/>
+                        </a:rPr>
+                        <m:t>𝛿</m:t>
+                      </m:r>
+                      <m:r>
+                        <a:rPr lang="de-CH" sz="1800" i="1" smtClean="0">
+                          <a:latin typeface="Cambria Math" panose="02040503050406030204" pitchFamily="18" charset="0"/>
+                        </a:rPr>
+                        <m:t>𝐶𝑂𝑃</m:t>
+                      </m:r>
+                      <m:d>
+                        <m:dPr>
+                          <m:ctrlPr>
+                            <a:rPr lang="de-CH" sz="1800" i="1">
+                              <a:latin typeface="Cambria Math" panose="02040503050406030204" pitchFamily="18" charset="0"/>
+                            </a:rPr>
+                          </m:ctrlPr>
+                        </m:dPr>
+                        <m:e>
+                          <m:sSub>
+                            <m:sSubPr>
+                              <m:ctrlPr>
+                                <a:rPr lang="en-GB" sz="1800" i="1">
+                                  <a:latin typeface="Cambria Math" panose="02040503050406030204" pitchFamily="18" charset="0"/>
+                                </a:rPr>
+                              </m:ctrlPr>
+                            </m:sSubPr>
+                            <m:e>
+                              <m:r>
+                                <a:rPr lang="en-GB" sz="1800" i="1">
+                                  <a:latin typeface="Cambria Math" panose="02040503050406030204" pitchFamily="18" charset="0"/>
+                                </a:rPr>
+                                <m:t>𝑇</m:t>
+                              </m:r>
+                            </m:e>
+                            <m:sub>
+                              <m:r>
+                                <a:rPr lang="de-CH" sz="1800" i="1">
+                                  <a:latin typeface="Cambria Math" panose="02040503050406030204" pitchFamily="18" charset="0"/>
+                                </a:rPr>
+                                <m:t>𝑎𝑖𝑟</m:t>
+                              </m:r>
+                            </m:sub>
+                          </m:sSub>
+                        </m:e>
+                      </m:d>
+                      <m:r>
+                        <a:rPr lang="de-CH" sz="1800" b="0" i="1" smtClean="0">
+                          <a:latin typeface="Cambria Math" panose="02040503050406030204" pitchFamily="18" charset="0"/>
+                        </a:rPr>
+                        <m:t>=</m:t>
+                      </m:r>
+                      <m:r>
+                        <a:rPr lang="de-CH" sz="1800" b="0" i="1" smtClean="0">
+                          <a:latin typeface="Cambria Math" panose="02040503050406030204" pitchFamily="18" charset="0"/>
+                        </a:rPr>
+                        <m:t>𝐴</m:t>
+                      </m:r>
+                      <m:r>
+                        <a:rPr lang="de-CH" sz="1800" b="0" i="1" smtClean="0">
+                          <a:latin typeface="Cambria Math" panose="02040503050406030204" pitchFamily="18" charset="0"/>
+                        </a:rPr>
+                        <m:t>.</m:t>
+                      </m:r>
+                      <m:sSub>
+                        <m:sSubPr>
+                          <m:ctrlPr>
+                            <a:rPr lang="en-GB" sz="1800" i="1">
+                              <a:latin typeface="Cambria Math" panose="02040503050406030204" pitchFamily="18" charset="0"/>
+                            </a:rPr>
+                          </m:ctrlPr>
+                        </m:sSubPr>
+                        <m:e>
+                          <m:r>
+                            <a:rPr lang="en-GB" sz="1800" i="1">
+                              <a:latin typeface="Cambria Math" panose="02040503050406030204" pitchFamily="18" charset="0"/>
+                            </a:rPr>
+                            <m:t>𝑇</m:t>
+                          </m:r>
+                        </m:e>
+                        <m:sub>
+                          <m:r>
+                            <a:rPr lang="de-CH" sz="1800" i="1">
+                              <a:latin typeface="Cambria Math" panose="02040503050406030204" pitchFamily="18" charset="0"/>
+                            </a:rPr>
+                            <m:t>𝑎𝑖𝑟</m:t>
+                          </m:r>
+                        </m:sub>
+                      </m:sSub>
+                      <m:r>
+                        <a:rPr lang="de-CH" sz="1800" b="0" i="1" smtClean="0">
+                          <a:latin typeface="Cambria Math" panose="02040503050406030204" pitchFamily="18" charset="0"/>
+                        </a:rPr>
+                        <m:t>+</m:t>
+                      </m:r>
+                      <m:r>
+                        <a:rPr lang="de-CH" sz="1800" b="0" i="1" smtClean="0">
+                          <a:latin typeface="Cambria Math" panose="02040503050406030204" pitchFamily="18" charset="0"/>
+                        </a:rPr>
+                        <m:t>𝑏</m:t>
+                      </m:r>
+                    </m:oMath>
+                  </m:oMathPara>
+                </a14:m>
+                <a:endParaRPr lang="en-GB" sz="1800" dirty="0"/>
+              </a:p>
+              <a:p>
+                <a:pPr marL="0" indent="0">
+                  <a:buNone/>
+                </a:pPr>
+                <a:endParaRPr lang="en-GB" sz="1800" dirty="0"/>
+              </a:p>
+              <a:p>
+                <a:pPr marL="0" indent="0">
+                  <a:buNone/>
+                </a:pPr>
+                <a14:m>
+                  <m:oMathPara xmlns:m="http://schemas.openxmlformats.org/officeDocument/2006/math">
+                    <m:oMathParaPr>
+                      <m:jc m:val="centerGroup"/>
+                    </m:oMathParaPr>
+                    <m:oMath xmlns:m="http://schemas.openxmlformats.org/officeDocument/2006/math">
+                      <m:r>
+                        <a:rPr lang="de-CH" sz="1800" b="0" i="1" smtClean="0">
+                          <a:latin typeface="Cambria Math" panose="02040503050406030204" pitchFamily="18" charset="0"/>
+                        </a:rPr>
+                        <m:t>𝐶𝑂𝑃</m:t>
+                      </m:r>
+                      <m:d>
+                        <m:dPr>
+                          <m:ctrlPr>
+                            <a:rPr lang="de-CH" sz="1800" i="1">
+                              <a:latin typeface="Cambria Math" panose="02040503050406030204" pitchFamily="18" charset="0"/>
+                            </a:rPr>
+                          </m:ctrlPr>
+                        </m:dPr>
+                        <m:e>
+                          <m:sSub>
+                            <m:sSubPr>
+                              <m:ctrlPr>
+                                <a:rPr lang="en-GB" sz="1800" i="1">
+                                  <a:latin typeface="Cambria Math" panose="02040503050406030204" pitchFamily="18" charset="0"/>
+                                </a:rPr>
+                              </m:ctrlPr>
+                            </m:sSubPr>
+                            <m:e>
+                              <m:r>
+                                <a:rPr lang="en-GB" sz="1800" i="1">
+                                  <a:latin typeface="Cambria Math" panose="02040503050406030204" pitchFamily="18" charset="0"/>
+                                </a:rPr>
+                                <m:t>𝑇</m:t>
+                              </m:r>
+                            </m:e>
+                            <m:sub>
+                              <m:r>
+                                <a:rPr lang="de-CH" sz="1800" i="1">
+                                  <a:latin typeface="Cambria Math" panose="02040503050406030204" pitchFamily="18" charset="0"/>
+                                </a:rPr>
+                                <m:t>𝑎𝑖𝑟</m:t>
+                              </m:r>
+                            </m:sub>
+                          </m:sSub>
+                        </m:e>
+                      </m:d>
+                      <m:r>
+                        <a:rPr lang="de-CH" sz="1800" b="0" i="1" smtClean="0">
+                          <a:latin typeface="Cambria Math" panose="02040503050406030204" pitchFamily="18" charset="0"/>
+                        </a:rPr>
+                        <m:t>=</m:t>
+                      </m:r>
+                      <m:sSub>
+                        <m:sSubPr>
+                          <m:ctrlPr>
+                            <a:rPr lang="en-GB" sz="1800" i="1">
+                              <a:latin typeface="Cambria Math" panose="02040503050406030204" pitchFamily="18" charset="0"/>
+                            </a:rPr>
+                          </m:ctrlPr>
+                        </m:sSubPr>
+                        <m:e>
+                          <m:r>
+                            <a:rPr lang="en-GB" sz="1800" i="1">
+                              <a:latin typeface="Cambria Math" panose="02040503050406030204" pitchFamily="18" charset="0"/>
+                            </a:rPr>
+                            <m:t>𝐶𝑂𝑃</m:t>
+                          </m:r>
+                        </m:e>
+                        <m:sub>
+                          <m:r>
+                            <a:rPr lang="en-GB" sz="1800" i="1">
+                              <a:latin typeface="Cambria Math" panose="02040503050406030204" pitchFamily="18" charset="0"/>
+                            </a:rPr>
+                            <m:t>𝑟𝑒𝑎𝑙</m:t>
+                          </m:r>
+                        </m:sub>
+                      </m:sSub>
+                      <m:r>
+                        <a:rPr lang="de-CH" sz="1800" i="1">
+                          <a:latin typeface="Cambria Math" panose="02040503050406030204" pitchFamily="18" charset="0"/>
+                        </a:rPr>
+                        <m:t>+</m:t>
+                      </m:r>
+                      <m:r>
+                        <a:rPr lang="de-CH" sz="1800" i="1">
+                          <a:latin typeface="Cambria Math" panose="02040503050406030204" pitchFamily="18" charset="0"/>
+                        </a:rPr>
+                        <m:t>𝛿</m:t>
+                      </m:r>
+                      <m:r>
+                        <a:rPr lang="de-CH" sz="1800" i="1">
+                          <a:latin typeface="Cambria Math" panose="02040503050406030204" pitchFamily="18" charset="0"/>
+                        </a:rPr>
+                        <m:t>𝐶𝑂𝑃</m:t>
+                      </m:r>
+                      <m:d>
+                        <m:dPr>
+                          <m:ctrlPr>
+                            <a:rPr lang="de-CH" sz="1800" i="1">
+                              <a:latin typeface="Cambria Math" panose="02040503050406030204" pitchFamily="18" charset="0"/>
+                            </a:rPr>
+                          </m:ctrlPr>
+                        </m:dPr>
+                        <m:e>
+                          <m:sSub>
+                            <m:sSubPr>
+                              <m:ctrlPr>
+                                <a:rPr lang="en-GB" sz="1800" i="1">
+                                  <a:latin typeface="Cambria Math" panose="02040503050406030204" pitchFamily="18" charset="0"/>
+                                </a:rPr>
+                              </m:ctrlPr>
+                            </m:sSubPr>
+                            <m:e>
+                              <m:r>
+                                <a:rPr lang="en-GB" sz="1800" i="1">
+                                  <a:latin typeface="Cambria Math" panose="02040503050406030204" pitchFamily="18" charset="0"/>
+                                </a:rPr>
+                                <m:t>𝑇</m:t>
+                              </m:r>
+                            </m:e>
+                            <m:sub>
+                              <m:r>
+                                <a:rPr lang="de-CH" sz="1800" i="1">
+                                  <a:latin typeface="Cambria Math" panose="02040503050406030204" pitchFamily="18" charset="0"/>
+                                </a:rPr>
+                                <m:t>𝑎𝑖𝑟</m:t>
+                              </m:r>
+                            </m:sub>
+                          </m:sSub>
+                        </m:e>
+                      </m:d>
+                    </m:oMath>
+                  </m:oMathPara>
+                </a14:m>
+                <a:endParaRPr lang="en-GB" sz="1800" dirty="0"/>
+              </a:p>
+            </p:txBody>
+          </p:sp>
+        </mc:Choice>
+        <mc:Fallback>
+          <p:sp>
+            <p:nvSpPr>
+              <p:cNvPr id="5" name="Content Placeholder 4">
+                <a:extLst>
+                  <a:ext uri="{FF2B5EF4-FFF2-40B4-BE49-F238E27FC236}">
+                    <a16:creationId xmlns:a16="http://schemas.microsoft.com/office/drawing/2014/main" id="{4CDF34A6-A22D-A0F1-57D2-BD80A4E506A0}"/>
+                  </a:ext>
+                </a:extLst>
+              </p:cNvPr>
+              <p:cNvSpPr>
+                <a:spLocks noGrp="1" noRot="1" noChangeAspect="1" noMove="1" noResize="1" noEditPoints="1" noAdjustHandles="1" noChangeArrowheads="1" noChangeShapeType="1" noTextEdit="1"/>
+              </p:cNvSpPr>
+              <p:nvPr>
+                <p:ph sz="half" idx="1"/>
+              </p:nvPr>
+            </p:nvSpPr>
+            <p:spPr>
+              <a:blipFill>
+                <a:blip r:embed="rId2"/>
+                <a:stretch>
+                  <a:fillRect l="-824" t="-1261"/>
+                </a:stretch>
+              </a:blipFill>
+            </p:spPr>
+            <p:txBody>
+              <a:bodyPr/>
+              <a:lstStyle/>
+              <a:p>
+                <a:r>
+                  <a:rPr lang="en-US">
+                    <a:noFill/>
+                  </a:rPr>
+                  <a:t> </a:t>
+                </a:r>
+              </a:p>
+            </p:txBody>
+          </p:sp>
+        </mc:Fallback>
+      </mc:AlternateContent>
       <p:sp>
         <p:nvSpPr>
-          <p:cNvPr id="5" name="Content Placeholder 4">
-            <a:extLst>
-              <a:ext uri="{FF2B5EF4-FFF2-40B4-BE49-F238E27FC236}">
-                <a16:creationId xmlns:a16="http://schemas.microsoft.com/office/drawing/2014/main" id="{4CDF34A6-A22D-A0F1-57D2-BD80A4E506A0}"/>
-              </a:ext>
-            </a:extLst>
-          </p:cNvPr>
-          <p:cNvSpPr>
-            <a:spLocks noGrp="1"/>
+          <p:cNvPr id="6" name="Content Placeholder 4">
+            <a:extLst>
+              <a:ext uri="{FF2B5EF4-FFF2-40B4-BE49-F238E27FC236}">
+                <a16:creationId xmlns:a16="http://schemas.microsoft.com/office/drawing/2014/main" id="{85A86AC5-A19F-1787-1153-C8640D9990BF}"/>
+              </a:ext>
+            </a:extLst>
+          </p:cNvPr>
+          <p:cNvSpPr txBox="1">
+            <a:spLocks/>
           </p:cNvSpPr>
-          <p:nvPr>
-            <p:ph sz="half" idx="1"/>
-          </p:nvPr>
+          <p:nvPr/>
         </p:nvSpPr>
-        <p:spPr/>
+        <p:spPr>
+          <a:xfrm>
+            <a:off x="5640754" y="1825625"/>
+            <a:ext cx="5181600" cy="4351338"/>
+          </a:xfrm>
+          <a:prstGeom prst="rect">
+            <a:avLst/>
+          </a:prstGeom>
+        </p:spPr>
         <p:txBody>
-          <a:bodyPr/>
-          <a:lstStyle/>
-          <a:p>
-            <a:r>
-              <a:rPr lang="en-GB" sz="1800" dirty="0"/>
-              <a:t>Governing equations:</a:t>
-            </a:r>
-          </a:p>
-          <a:p>
-            <a:endParaRPr lang="en-GB" dirty="0"/>
-          </a:p>
-          <a:p>
-            <a:endParaRPr lang="en-GB" dirty="0"/>
-          </a:p>
-          <a:p>
-            <a:endParaRPr lang="en-GB" dirty="0"/>
-          </a:p>
-          <a:p>
-            <a:endParaRPr lang="en-GB" dirty="0"/>
-          </a:p>
-          <a:p>
-            <a:endParaRPr lang="en-GB" dirty="0"/>
-          </a:p>
-          <a:p>
-            <a:r>
-              <a:rPr lang="en-GB" sz="1800" dirty="0"/>
-              <a:t>Important assumptions:</a:t>
-            </a:r>
-            <a:endParaRPr lang="en-CH" sz="1800" dirty="0"/>
+          <a:bodyPr vert="horz" lIns="91440" tIns="45720" rIns="91440" bIns="45720" rtlCol="0">
+            <a:normAutofit/>
+          </a:bodyPr>
+          <a:lstStyle>
+            <a:lvl1pPr marL="228600" indent="-228600" algn="l" defTabSz="914400" rtl="0" eaLnBrk="1" latinLnBrk="0" hangingPunct="1">
+              <a:lnSpc>
+                <a:spcPct val="90000"/>
+              </a:lnSpc>
+              <a:spcBef>
+                <a:spcPts val="1000"/>
+              </a:spcBef>
+              <a:buFont typeface="Arial" panose="020B0604020202020204" pitchFamily="34" charset="0"/>
+              <a:buChar char="•"/>
+              <a:defRPr sz="2800" kern="1200">
+                <a:solidFill>
+                  <a:schemeClr val="tx1"/>
+                </a:solidFill>
+                <a:latin typeface="+mn-lt"/>
+                <a:ea typeface="+mn-ea"/>
+                <a:cs typeface="+mn-cs"/>
+              </a:defRPr>
+            </a:lvl1pPr>
+            <a:lvl2pPr marL="685800" indent="-228600" algn="l" defTabSz="914400" rtl="0" eaLnBrk="1" latinLnBrk="0" hangingPunct="1">
+              <a:lnSpc>
+                <a:spcPct val="90000"/>
+              </a:lnSpc>
+              <a:spcBef>
+                <a:spcPts val="500"/>
+              </a:spcBef>
+              <a:buFont typeface="Arial" panose="020B0604020202020204" pitchFamily="34" charset="0"/>
+              <a:buChar char="•"/>
+              <a:defRPr sz="2400" kern="1200">
+                <a:solidFill>
+                  <a:schemeClr val="tx1"/>
+                </a:solidFill>
+                <a:latin typeface="+mn-lt"/>
+                <a:ea typeface="+mn-ea"/>
+                <a:cs typeface="+mn-cs"/>
+              </a:defRPr>
+            </a:lvl2pPr>
+            <a:lvl3pPr marL="1143000" indent="-228600" algn="l" defTabSz="914400" rtl="0" eaLnBrk="1" latinLnBrk="0" hangingPunct="1">
+              <a:lnSpc>
+                <a:spcPct val="90000"/>
+              </a:lnSpc>
+              <a:spcBef>
+                <a:spcPts val="500"/>
+              </a:spcBef>
+              <a:buFont typeface="Arial" panose="020B0604020202020204" pitchFamily="34" charset="0"/>
+              <a:buChar char="•"/>
+              <a:defRPr sz="2000" kern="1200">
+                <a:solidFill>
+                  <a:schemeClr val="tx1"/>
+                </a:solidFill>
+                <a:latin typeface="+mn-lt"/>
+                <a:ea typeface="+mn-ea"/>
+                <a:cs typeface="+mn-cs"/>
+              </a:defRPr>
+            </a:lvl3pPr>
+            <a:lvl4pPr marL="1600200" indent="-228600" algn="l" defTabSz="914400" rtl="0" eaLnBrk="1" latinLnBrk="0" hangingPunct="1">
+              <a:lnSpc>
+                <a:spcPct val="90000"/>
+              </a:lnSpc>
+              <a:spcBef>
+                <a:spcPts val="500"/>
+              </a:spcBef>
+              <a:buFont typeface="Arial" panose="020B0604020202020204" pitchFamily="34" charset="0"/>
+              <a:buChar char="•"/>
+              <a:defRPr sz="1800" kern="1200">
+                <a:solidFill>
+                  <a:schemeClr val="tx1"/>
+                </a:solidFill>
+                <a:latin typeface="+mn-lt"/>
+                <a:ea typeface="+mn-ea"/>
+                <a:cs typeface="+mn-cs"/>
+              </a:defRPr>
+            </a:lvl4pPr>
+            <a:lvl5pPr marL="2057400" indent="-228600" algn="l" defTabSz="914400" rtl="0" eaLnBrk="1" latinLnBrk="0" hangingPunct="1">
+              <a:lnSpc>
+                <a:spcPct val="90000"/>
+              </a:lnSpc>
+              <a:spcBef>
+                <a:spcPts val="500"/>
+              </a:spcBef>
+              <a:buFont typeface="Arial" panose="020B0604020202020204" pitchFamily="34" charset="0"/>
+              <a:buChar char="•"/>
+              <a:defRPr sz="1800" kern="1200">
+                <a:solidFill>
+                  <a:schemeClr val="tx1"/>
+                </a:solidFill>
+                <a:latin typeface="+mn-lt"/>
+                <a:ea typeface="+mn-ea"/>
+                <a:cs typeface="+mn-cs"/>
+              </a:defRPr>
+            </a:lvl5pPr>
+            <a:lvl6pPr marL="2514600" indent="-228600" algn="l" defTabSz="914400" rtl="0" eaLnBrk="1" latinLnBrk="0" hangingPunct="1">
+              <a:lnSpc>
+                <a:spcPct val="90000"/>
+              </a:lnSpc>
+              <a:spcBef>
+                <a:spcPts val="500"/>
+              </a:spcBef>
+              <a:buFont typeface="Arial" panose="020B0604020202020204" pitchFamily="34" charset="0"/>
+              <a:buChar char="•"/>
+              <a:defRPr sz="1800" kern="1200">
+                <a:solidFill>
+                  <a:schemeClr val="tx1"/>
+                </a:solidFill>
+                <a:latin typeface="+mn-lt"/>
+                <a:ea typeface="+mn-ea"/>
+                <a:cs typeface="+mn-cs"/>
+              </a:defRPr>
+            </a:lvl6pPr>
+            <a:lvl7pPr marL="2971800" indent="-228600" algn="l" defTabSz="914400" rtl="0" eaLnBrk="1" latinLnBrk="0" hangingPunct="1">
+              <a:lnSpc>
+                <a:spcPct val="90000"/>
+              </a:lnSpc>
+              <a:spcBef>
+                <a:spcPts val="500"/>
+              </a:spcBef>
+              <a:buFont typeface="Arial" panose="020B0604020202020204" pitchFamily="34" charset="0"/>
+              <a:buChar char="•"/>
+              <a:defRPr sz="1800" kern="1200">
+                <a:solidFill>
+                  <a:schemeClr val="tx1"/>
+                </a:solidFill>
+                <a:latin typeface="+mn-lt"/>
+                <a:ea typeface="+mn-ea"/>
+                <a:cs typeface="+mn-cs"/>
+              </a:defRPr>
+            </a:lvl7pPr>
+            <a:lvl8pPr marL="3429000" indent="-228600" algn="l" defTabSz="914400" rtl="0" eaLnBrk="1" latinLnBrk="0" hangingPunct="1">
+              <a:lnSpc>
+                <a:spcPct val="90000"/>
+              </a:lnSpc>
+              <a:spcBef>
+                <a:spcPts val="500"/>
+              </a:spcBef>
+              <a:buFont typeface="Arial" panose="020B0604020202020204" pitchFamily="34" charset="0"/>
+              <a:buChar char="•"/>
+              <a:defRPr sz="1800" kern="1200">
+                <a:solidFill>
+                  <a:schemeClr val="tx1"/>
+                </a:solidFill>
+                <a:latin typeface="+mn-lt"/>
+                <a:ea typeface="+mn-ea"/>
+                <a:cs typeface="+mn-cs"/>
+              </a:defRPr>
+            </a:lvl8pPr>
+            <a:lvl9pPr marL="3886200" indent="-228600" algn="l" defTabSz="914400" rtl="0" eaLnBrk="1" latinLnBrk="0" hangingPunct="1">
+              <a:lnSpc>
+                <a:spcPct val="90000"/>
+              </a:lnSpc>
+              <a:spcBef>
+                <a:spcPts val="500"/>
+              </a:spcBef>
+              <a:buFont typeface="Arial" panose="020B0604020202020204" pitchFamily="34" charset="0"/>
+              <a:buChar char="•"/>
+              <a:defRPr sz="1800" kern="1200">
+                <a:solidFill>
+                  <a:schemeClr val="tx1"/>
+                </a:solidFill>
+                <a:latin typeface="+mn-lt"/>
+                <a:ea typeface="+mn-ea"/>
+                <a:cs typeface="+mn-cs"/>
+              </a:defRPr>
+            </a:lvl9pPr>
+          </a:lstStyle>
+          <a:p>
+            <a:r>
+              <a:rPr lang="de-CH" sz="1800" dirty="0"/>
+              <a:t>Plain </a:t>
+            </a:r>
+            <a:r>
+              <a:rPr lang="de-CH" sz="1800" dirty="0" err="1"/>
+              <a:t>english</a:t>
+            </a:r>
+            <a:r>
+              <a:rPr lang="de-CH" sz="1800" dirty="0"/>
+              <a:t>:</a:t>
+            </a:r>
+          </a:p>
+          <a:p>
+            <a:endParaRPr lang="de-CH" sz="1800" dirty="0"/>
+          </a:p>
+          <a:p>
+            <a:r>
+              <a:rPr lang="de-CH" sz="1800" dirty="0" err="1"/>
+              <a:t>Condenser</a:t>
+            </a:r>
+            <a:r>
+              <a:rPr lang="de-CH" sz="1800" dirty="0"/>
+              <a:t> </a:t>
+            </a:r>
+            <a:r>
+              <a:rPr lang="de-CH" sz="1800" dirty="0" err="1"/>
+              <a:t>duty</a:t>
+            </a:r>
+            <a:r>
+              <a:rPr lang="de-CH" sz="1800" dirty="0"/>
+              <a:t> </a:t>
+            </a:r>
+            <a:r>
+              <a:rPr lang="de-CH" sz="1800" dirty="0" err="1"/>
+              <a:t>is</a:t>
+            </a:r>
+            <a:r>
+              <a:rPr lang="de-CH" sz="1800" dirty="0"/>
+              <a:t> a </a:t>
+            </a:r>
+            <a:r>
+              <a:rPr lang="de-CH" sz="1800" dirty="0" err="1"/>
+              <a:t>function</a:t>
+            </a:r>
+            <a:r>
+              <a:rPr lang="de-CH" sz="1800" dirty="0"/>
+              <a:t> </a:t>
+            </a:r>
+            <a:r>
+              <a:rPr lang="de-CH" sz="1800" dirty="0" err="1"/>
+              <a:t>of</a:t>
+            </a:r>
+            <a:r>
+              <a:rPr lang="de-CH" sz="1800" dirty="0"/>
+              <a:t> </a:t>
+            </a:r>
+            <a:r>
+              <a:rPr lang="de-CH" sz="1800" dirty="0" err="1"/>
+              <a:t>air</a:t>
+            </a:r>
+            <a:r>
+              <a:rPr lang="de-CH" sz="1800" dirty="0"/>
+              <a:t> </a:t>
+            </a:r>
+            <a:r>
+              <a:rPr lang="de-CH" sz="1800" dirty="0" err="1"/>
+              <a:t>inlet</a:t>
+            </a:r>
+            <a:r>
+              <a:rPr lang="de-CH" sz="1800" dirty="0"/>
+              <a:t> </a:t>
+            </a:r>
+            <a:r>
+              <a:rPr lang="de-CH" sz="1800" dirty="0" err="1"/>
+              <a:t>temp</a:t>
+            </a:r>
+            <a:r>
+              <a:rPr lang="de-CH" sz="1800" dirty="0"/>
+              <a:t>, </a:t>
+            </a:r>
+            <a:r>
+              <a:rPr lang="de-CH" sz="1800" dirty="0" err="1"/>
+              <a:t>because</a:t>
+            </a:r>
+            <a:r>
+              <a:rPr lang="de-CH" sz="1800" dirty="0"/>
+              <a:t> </a:t>
+            </a:r>
+            <a:r>
+              <a:rPr lang="de-CH" sz="1800" dirty="0" err="1"/>
+              <a:t>the</a:t>
+            </a:r>
+            <a:r>
+              <a:rPr lang="de-CH" sz="1800" dirty="0"/>
+              <a:t> COP </a:t>
+            </a:r>
+            <a:r>
+              <a:rPr lang="de-CH" sz="1800" dirty="0" err="1"/>
+              <a:t>is</a:t>
+            </a:r>
+            <a:r>
+              <a:rPr lang="de-CH" sz="1800" dirty="0"/>
+              <a:t> also a </a:t>
+            </a:r>
+            <a:r>
+              <a:rPr lang="de-CH" sz="1800" dirty="0" err="1"/>
+              <a:t>function</a:t>
+            </a:r>
+            <a:r>
+              <a:rPr lang="de-CH" sz="1800" dirty="0"/>
+              <a:t> </a:t>
+            </a:r>
+            <a:r>
+              <a:rPr lang="de-CH" sz="1800" dirty="0" err="1"/>
+              <a:t>of</a:t>
+            </a:r>
+            <a:r>
+              <a:rPr lang="de-CH" sz="1800" dirty="0"/>
+              <a:t> </a:t>
+            </a:r>
+            <a:r>
+              <a:rPr lang="de-CH" sz="1800" dirty="0" err="1"/>
+              <a:t>the</a:t>
+            </a:r>
+            <a:r>
+              <a:rPr lang="de-CH" sz="1800" dirty="0"/>
+              <a:t> </a:t>
+            </a:r>
+            <a:r>
+              <a:rPr lang="de-CH" sz="1800" dirty="0" err="1"/>
+              <a:t>air</a:t>
+            </a:r>
+            <a:r>
+              <a:rPr lang="de-CH" sz="1800" dirty="0"/>
+              <a:t> </a:t>
+            </a:r>
+            <a:r>
+              <a:rPr lang="de-CH" sz="1800" dirty="0" err="1"/>
+              <a:t>inlet</a:t>
+            </a:r>
+            <a:r>
+              <a:rPr lang="de-CH" sz="1800" dirty="0"/>
+              <a:t> </a:t>
+            </a:r>
+            <a:r>
+              <a:rPr lang="de-CH" sz="1800" dirty="0" err="1"/>
+              <a:t>temp</a:t>
+            </a:r>
+            <a:endParaRPr lang="de-CH" sz="1800" dirty="0"/>
+          </a:p>
+          <a:p>
+            <a:r>
+              <a:rPr lang="de-CH" sz="1800" dirty="0"/>
+              <a:t>The </a:t>
+            </a:r>
+            <a:r>
+              <a:rPr lang="de-CH" sz="1800" dirty="0" err="1"/>
+              <a:t>difference</a:t>
+            </a:r>
+            <a:r>
+              <a:rPr lang="de-CH" sz="1800" dirty="0"/>
+              <a:t> </a:t>
+            </a:r>
+            <a:r>
+              <a:rPr lang="de-CH" sz="1800" dirty="0" err="1"/>
+              <a:t>between</a:t>
+            </a:r>
+            <a:r>
+              <a:rPr lang="de-CH" sz="1800" dirty="0"/>
+              <a:t> </a:t>
+            </a:r>
+            <a:r>
+              <a:rPr lang="de-CH" sz="1800" dirty="0" err="1"/>
+              <a:t>the</a:t>
+            </a:r>
+            <a:r>
+              <a:rPr lang="de-CH" sz="1800" dirty="0"/>
+              <a:t> </a:t>
+            </a:r>
+            <a:r>
+              <a:rPr lang="de-CH" sz="1800" dirty="0" err="1"/>
+              <a:t>observed</a:t>
+            </a:r>
+            <a:r>
+              <a:rPr lang="de-CH" sz="1800" dirty="0"/>
+              <a:t> COP and </a:t>
+            </a:r>
+            <a:r>
+              <a:rPr lang="de-CH" sz="1800" dirty="0" err="1"/>
+              <a:t>the</a:t>
+            </a:r>
+            <a:r>
+              <a:rPr lang="de-CH" sz="1800" dirty="0"/>
+              <a:t> real COP (</a:t>
+            </a:r>
+            <a:r>
+              <a:rPr lang="de-CH" sz="1800" dirty="0" err="1"/>
+              <a:t>as</a:t>
+            </a:r>
+            <a:r>
+              <a:rPr lang="de-CH" sz="1800" dirty="0"/>
+              <a:t> </a:t>
+            </a:r>
+            <a:r>
+              <a:rPr lang="de-CH" sz="1800" dirty="0" err="1"/>
+              <a:t>defined</a:t>
+            </a:r>
+            <a:r>
+              <a:rPr lang="de-CH" sz="1800" dirty="0"/>
+              <a:t> </a:t>
+            </a:r>
+            <a:r>
+              <a:rPr lang="de-CH" sz="1800" dirty="0" err="1"/>
+              <a:t>by</a:t>
+            </a:r>
+            <a:r>
+              <a:rPr lang="de-CH" sz="1800" dirty="0"/>
+              <a:t> </a:t>
+            </a:r>
+            <a:r>
+              <a:rPr lang="de-CH" sz="1800" dirty="0" err="1"/>
+              <a:t>carnot</a:t>
+            </a:r>
+            <a:r>
+              <a:rPr lang="de-CH" sz="1800" dirty="0"/>
+              <a:t> COP x </a:t>
+            </a:r>
+            <a:r>
+              <a:rPr lang="de-CH" sz="1800" dirty="0" err="1"/>
+              <a:t>guetegrad</a:t>
+            </a:r>
+            <a:r>
+              <a:rPr lang="de-CH" sz="1800" dirty="0"/>
+              <a:t>) </a:t>
+            </a:r>
+            <a:r>
+              <a:rPr lang="de-CH" sz="1800" dirty="0" err="1"/>
+              <a:t>is</a:t>
+            </a:r>
+            <a:r>
+              <a:rPr lang="de-CH" sz="1800" dirty="0"/>
+              <a:t> </a:t>
+            </a:r>
+            <a:r>
+              <a:rPr lang="de-CH" sz="1800" dirty="0" err="1"/>
+              <a:t>deltaCOP</a:t>
+            </a:r>
+            <a:r>
+              <a:rPr lang="de-CH" sz="1800" dirty="0"/>
+              <a:t> </a:t>
+            </a:r>
+            <a:r>
+              <a:rPr lang="de-CH" sz="1800" dirty="0" err="1"/>
+              <a:t>which</a:t>
+            </a:r>
+            <a:r>
+              <a:rPr lang="de-CH" sz="1800" dirty="0"/>
+              <a:t> </a:t>
+            </a:r>
+            <a:r>
+              <a:rPr lang="de-CH" sz="1800" dirty="0" err="1"/>
+              <a:t>is</a:t>
+            </a:r>
+            <a:r>
+              <a:rPr lang="de-CH" sz="1800" dirty="0"/>
+              <a:t> </a:t>
+            </a:r>
+            <a:r>
+              <a:rPr lang="de-CH" sz="1800" dirty="0" err="1"/>
+              <a:t>therefore</a:t>
+            </a:r>
+            <a:r>
+              <a:rPr lang="de-CH" sz="1800" dirty="0"/>
+              <a:t> also a </a:t>
+            </a:r>
+            <a:r>
+              <a:rPr lang="de-CH" sz="1800" dirty="0" err="1"/>
+              <a:t>function</a:t>
+            </a:r>
+            <a:r>
+              <a:rPr lang="de-CH" sz="1800" dirty="0"/>
+              <a:t> </a:t>
+            </a:r>
+            <a:r>
+              <a:rPr lang="de-CH" sz="1800" dirty="0" err="1"/>
+              <a:t>of</a:t>
+            </a:r>
+            <a:r>
+              <a:rPr lang="de-CH" sz="1800" dirty="0"/>
+              <a:t> </a:t>
+            </a:r>
+            <a:r>
+              <a:rPr lang="de-CH" sz="1800" dirty="0" err="1"/>
+              <a:t>the</a:t>
+            </a:r>
+            <a:r>
+              <a:rPr lang="de-CH" sz="1800" dirty="0"/>
+              <a:t> </a:t>
+            </a:r>
+            <a:r>
+              <a:rPr lang="de-CH" sz="1800" dirty="0" err="1"/>
+              <a:t>air</a:t>
+            </a:r>
+            <a:r>
+              <a:rPr lang="de-CH" sz="1800" dirty="0"/>
+              <a:t> </a:t>
+            </a:r>
+            <a:r>
+              <a:rPr lang="de-CH" sz="1800" dirty="0" err="1"/>
+              <a:t>inlet</a:t>
+            </a:r>
+            <a:r>
+              <a:rPr lang="de-CH" sz="1800" dirty="0"/>
+              <a:t> </a:t>
+            </a:r>
+            <a:r>
+              <a:rPr lang="de-CH" sz="1800" dirty="0" err="1"/>
+              <a:t>temp</a:t>
+            </a:r>
+            <a:endParaRPr lang="de-CH" sz="1800" dirty="0"/>
+          </a:p>
+          <a:p>
+            <a:r>
+              <a:rPr lang="de-CH" sz="1800" dirty="0"/>
+              <a:t>Plot out </a:t>
+            </a:r>
+            <a:r>
+              <a:rPr lang="de-CH" sz="1800" dirty="0" err="1"/>
+              <a:t>deltaCOP</a:t>
+            </a:r>
+            <a:r>
+              <a:rPr lang="de-CH" sz="1800" dirty="0"/>
+              <a:t> </a:t>
+            </a:r>
+            <a:r>
+              <a:rPr lang="de-CH" sz="1800" dirty="0" err="1"/>
+              <a:t>across</a:t>
+            </a:r>
+            <a:r>
+              <a:rPr lang="de-CH" sz="1800" dirty="0"/>
+              <a:t> all </a:t>
+            </a:r>
+            <a:r>
+              <a:rPr lang="de-CH" sz="1800" dirty="0" err="1"/>
+              <a:t>air</a:t>
+            </a:r>
+            <a:r>
+              <a:rPr lang="de-CH" sz="1800" dirty="0"/>
+              <a:t> </a:t>
+            </a:r>
+            <a:r>
+              <a:rPr lang="de-CH" sz="1800" dirty="0" err="1"/>
+              <a:t>temps</a:t>
+            </a:r>
+            <a:r>
+              <a:rPr lang="de-CH" sz="1800" dirty="0"/>
+              <a:t> and fit a </a:t>
+            </a:r>
+            <a:r>
+              <a:rPr lang="de-CH" sz="1800" dirty="0" err="1"/>
+              <a:t>line</a:t>
+            </a:r>
+            <a:r>
+              <a:rPr lang="de-CH" sz="1800" dirty="0"/>
+              <a:t> </a:t>
+            </a:r>
+            <a:r>
+              <a:rPr lang="de-CH" sz="1800" dirty="0" err="1"/>
+              <a:t>to</a:t>
+            </a:r>
+            <a:r>
+              <a:rPr lang="de-CH" sz="1800" dirty="0"/>
+              <a:t> </a:t>
+            </a:r>
+            <a:r>
+              <a:rPr lang="de-CH" sz="1800" dirty="0" err="1"/>
+              <a:t>it</a:t>
+            </a:r>
+            <a:endParaRPr lang="de-CH" sz="1800" dirty="0"/>
+          </a:p>
+          <a:p>
+            <a:r>
+              <a:rPr lang="de-CH" sz="1800" dirty="0" err="1"/>
+              <a:t>Then</a:t>
+            </a:r>
+            <a:r>
+              <a:rPr lang="de-CH" sz="1800" dirty="0"/>
+              <a:t> </a:t>
+            </a:r>
+            <a:r>
+              <a:rPr lang="de-CH" sz="1800" dirty="0" err="1"/>
+              <a:t>we</a:t>
+            </a:r>
+            <a:r>
+              <a:rPr lang="de-CH" sz="1800" dirty="0"/>
+              <a:t> </a:t>
+            </a:r>
+            <a:r>
+              <a:rPr lang="de-CH" sz="1800" dirty="0" err="1"/>
+              <a:t>have</a:t>
+            </a:r>
+            <a:r>
+              <a:rPr lang="de-CH" sz="1800" dirty="0"/>
+              <a:t> an </a:t>
+            </a:r>
+            <a:r>
+              <a:rPr lang="de-CH" sz="1800" dirty="0" err="1"/>
+              <a:t>air</a:t>
+            </a:r>
+            <a:r>
+              <a:rPr lang="de-CH" sz="1800" dirty="0"/>
+              <a:t> </a:t>
+            </a:r>
+            <a:r>
+              <a:rPr lang="de-CH" sz="1800" dirty="0" err="1"/>
+              <a:t>temperature</a:t>
+            </a:r>
+            <a:r>
+              <a:rPr lang="de-CH" sz="1800" dirty="0"/>
+              <a:t> </a:t>
+            </a:r>
+            <a:r>
+              <a:rPr lang="de-CH" sz="1800" dirty="0" err="1"/>
+              <a:t>dependent</a:t>
+            </a:r>
+            <a:r>
+              <a:rPr lang="de-CH" sz="1800" dirty="0"/>
+              <a:t> </a:t>
+            </a:r>
+            <a:r>
+              <a:rPr lang="de-CH" sz="1800" dirty="0" err="1"/>
+              <a:t>deltaCOP</a:t>
+            </a:r>
+            <a:r>
+              <a:rPr lang="de-CH" sz="1800" dirty="0"/>
+              <a:t> </a:t>
+            </a:r>
+            <a:r>
+              <a:rPr lang="de-CH" sz="1800" dirty="0" err="1"/>
+              <a:t>to</a:t>
+            </a:r>
+            <a:r>
+              <a:rPr lang="de-CH" sz="1800" dirty="0"/>
+              <a:t> </a:t>
+            </a:r>
+            <a:r>
+              <a:rPr lang="de-CH" sz="1800" dirty="0" err="1"/>
+              <a:t>add</a:t>
+            </a:r>
+            <a:r>
+              <a:rPr lang="de-CH" sz="1800" dirty="0"/>
+              <a:t> </a:t>
+            </a:r>
+            <a:r>
+              <a:rPr lang="de-CH" sz="1800" dirty="0" err="1"/>
+              <a:t>to</a:t>
+            </a:r>
+            <a:r>
+              <a:rPr lang="de-CH" sz="1800" dirty="0"/>
+              <a:t> </a:t>
+            </a:r>
+            <a:r>
+              <a:rPr lang="de-CH" sz="1800" dirty="0" err="1"/>
+              <a:t>the</a:t>
+            </a:r>
+            <a:r>
+              <a:rPr lang="de-CH" sz="1800" dirty="0"/>
+              <a:t> real COP in </a:t>
+            </a:r>
+            <a:r>
+              <a:rPr lang="de-CH" sz="1800" dirty="0" err="1"/>
+              <a:t>order</a:t>
+            </a:r>
+            <a:r>
+              <a:rPr lang="de-CH" sz="1800" dirty="0"/>
+              <a:t> </a:t>
+            </a:r>
+            <a:r>
+              <a:rPr lang="de-CH" sz="1800" dirty="0" err="1"/>
+              <a:t>to</a:t>
+            </a:r>
+            <a:r>
+              <a:rPr lang="de-CH" sz="1800" dirty="0"/>
+              <a:t> </a:t>
+            </a:r>
+            <a:r>
+              <a:rPr lang="de-CH" sz="1800" dirty="0" err="1"/>
+              <a:t>calculate</a:t>
+            </a:r>
+            <a:r>
+              <a:rPr lang="de-CH" sz="1800" dirty="0"/>
+              <a:t> </a:t>
+            </a:r>
+            <a:r>
+              <a:rPr lang="de-CH" sz="1800" dirty="0" err="1"/>
+              <a:t>what</a:t>
+            </a:r>
+            <a:r>
+              <a:rPr lang="de-CH" sz="1800" dirty="0"/>
+              <a:t> </a:t>
+            </a:r>
+            <a:r>
+              <a:rPr lang="de-CH" sz="1800" dirty="0" err="1"/>
+              <a:t>the</a:t>
+            </a:r>
+            <a:r>
+              <a:rPr lang="de-CH" sz="1800" dirty="0"/>
+              <a:t> </a:t>
+            </a:r>
+            <a:r>
+              <a:rPr lang="de-CH" sz="1800" dirty="0" err="1"/>
+              <a:t>observed</a:t>
+            </a:r>
+            <a:r>
+              <a:rPr lang="de-CH" sz="1800" dirty="0"/>
+              <a:t> COP </a:t>
+            </a:r>
+            <a:r>
+              <a:rPr lang="de-CH" sz="1800" dirty="0" err="1"/>
+              <a:t>is</a:t>
+            </a:r>
+            <a:r>
+              <a:rPr lang="de-CH" sz="1800" dirty="0"/>
+              <a:t> </a:t>
+            </a:r>
+            <a:r>
+              <a:rPr lang="de-CH" sz="1800" dirty="0" err="1"/>
+              <a:t>going</a:t>
+            </a:r>
+            <a:r>
+              <a:rPr lang="de-CH" sz="1800" dirty="0"/>
+              <a:t> </a:t>
+            </a:r>
+            <a:r>
+              <a:rPr lang="de-CH" sz="1800" dirty="0" err="1"/>
+              <a:t>to</a:t>
+            </a:r>
+            <a:r>
+              <a:rPr lang="de-CH" sz="1800" dirty="0"/>
+              <a:t> </a:t>
+            </a:r>
+            <a:r>
+              <a:rPr lang="de-CH" sz="1800" dirty="0" err="1"/>
+              <a:t>be</a:t>
+            </a:r>
+            <a:endParaRPr lang="de-CH" sz="1800" dirty="0"/>
           </a:p>
         </p:txBody>
       </p:sp>
@@ -7301,4 +9341,340 @@
     </a:ext>
   </a:extLst>
 </a:theme>
+</file>
+
+<file path=customXml/item1.xml><?xml version="1.0" encoding="utf-8"?>
+<p:properties xmlns:p="http://schemas.microsoft.com/office/2006/metadata/properties" xmlns:xsi="http://www.w3.org/2001/XMLSchema-instance" xmlns:pc="http://schemas.microsoft.com/office/infopath/2007/PartnerControls">
+  <documentManagement>
+    <Datum xmlns="9a7d57e2-a6f6-4353-bdc3-995d0b2e54a4">2021-01-02T00:00:00Z</Datum>
+    <_Flow_SignoffStatus xmlns="9a7d57e2-a6f6-4353-bdc3-995d0b2e54a4" xsi:nil="true"/>
+    <Speaker xmlns="9a7d57e2-a6f6-4353-bdc3-995d0b2e54a4">
+      <UserInfo>
+        <DisplayName/>
+        <AccountId xsi:nil="true"/>
+        <AccountType/>
+      </UserInfo>
+    </Speaker>
+    <lcf76f155ced4ddcb4097134ff3c332f xmlns="9a7d57e2-a6f6-4353-bdc3-995d0b2e54a4">
+      <Terms xmlns="http://schemas.microsoft.com/office/infopath/2007/PartnerControls"/>
+    </lcf76f155ced4ddcb4097134ff3c332f>
+    <TaxCatchAll xmlns="bd5c1ef4-a5a8-4f60-b734-518beb01c7b7" xsi:nil="true"/>
+  </documentManagement>
+</p:properties>
+</file>
+
+<file path=customXml/item2.xml><?xml version="1.0" encoding="utf-8"?>
+<ct:contentTypeSchema xmlns:ct="http://schemas.microsoft.com/office/2006/metadata/contentType" xmlns:ma="http://schemas.microsoft.com/office/2006/metadata/properties/metaAttributes" ct:_="" ma:_="" ma:contentTypeName="Dokument" ma:contentTypeID="0x010100E756FDFCB57D0948B915F9BF5E819397" ma:contentTypeVersion="19" ma:contentTypeDescription="Ein neues Dokument erstellen." ma:contentTypeScope="" ma:versionID="7852f5f8c1d507250c2012b3a813d277">
+  <xsd:schema xmlns:xsd="http://www.w3.org/2001/XMLSchema" xmlns:xs="http://www.w3.org/2001/XMLSchema" xmlns:p="http://schemas.microsoft.com/office/2006/metadata/properties" xmlns:ns2="9a7d57e2-a6f6-4353-bdc3-995d0b2e54a4" xmlns:ns3="bd5c1ef4-a5a8-4f60-b734-518beb01c7b7" targetNamespace="http://schemas.microsoft.com/office/2006/metadata/properties" ma:root="true" ma:fieldsID="57c110224e734d506e5598409d1cd34c" ns2:_="" ns3:_="">
+    <xsd:import namespace="9a7d57e2-a6f6-4353-bdc3-995d0b2e54a4"/>
+    <xsd:import namespace="bd5c1ef4-a5a8-4f60-b734-518beb01c7b7"/>
+    <xsd:element name="properties">
+      <xsd:complexType>
+        <xsd:sequence>
+          <xsd:element name="documentManagement">
+            <xsd:complexType>
+              <xsd:all>
+                <xsd:element ref="ns2:MediaServiceMetadata" minOccurs="0"/>
+                <xsd:element ref="ns2:MediaServiceFastMetadata" minOccurs="0"/>
+                <xsd:element ref="ns2:MediaServiceOCR" minOccurs="0"/>
+                <xsd:element ref="ns2:MediaServiceGenerationTime" minOccurs="0"/>
+                <xsd:element ref="ns2:MediaServiceEventHashCode" minOccurs="0"/>
+                <xsd:element ref="ns3:SharedWithUsers" minOccurs="0"/>
+                <xsd:element ref="ns3:SharedWithDetails" minOccurs="0"/>
+                <xsd:element ref="ns2:MediaServiceDateTaken" minOccurs="0"/>
+                <xsd:element ref="ns2:MediaServiceAutoKeyPoints" minOccurs="0"/>
+                <xsd:element ref="ns2:MediaServiceKeyPoints" minOccurs="0"/>
+                <xsd:element ref="ns2:Speaker" minOccurs="0"/>
+                <xsd:element ref="ns2:Datum" minOccurs="0"/>
+                <xsd:element ref="ns2:_Flow_SignoffStatus" minOccurs="0"/>
+                <xsd:element ref="ns2:MediaLengthInSeconds" minOccurs="0"/>
+                <xsd:element ref="ns2:MediaServiceLocation" minOccurs="0"/>
+                <xsd:element ref="ns2:lcf76f155ced4ddcb4097134ff3c332f" minOccurs="0"/>
+                <xsd:element ref="ns3:TaxCatchAll" minOccurs="0"/>
+              </xsd:all>
+            </xsd:complexType>
+          </xsd:element>
+        </xsd:sequence>
+      </xsd:complexType>
+    </xsd:element>
+  </xsd:schema>
+  <xsd:schema xmlns:xsd="http://www.w3.org/2001/XMLSchema" xmlns:xs="http://www.w3.org/2001/XMLSchema" xmlns:dms="http://schemas.microsoft.com/office/2006/documentManagement/types" xmlns:pc="http://schemas.microsoft.com/office/infopath/2007/PartnerControls" targetNamespace="9a7d57e2-a6f6-4353-bdc3-995d0b2e54a4" elementFormDefault="qualified">
+    <xsd:import namespace="http://schemas.microsoft.com/office/2006/documentManagement/types"/>
+    <xsd:import namespace="http://schemas.microsoft.com/office/infopath/2007/PartnerControls"/>
+    <xsd:element name="MediaServiceMetadata" ma:index="8" nillable="true" ma:displayName="MediaServiceMetadata" ma:hidden="true" ma:internalName="MediaServiceMetadata" ma:readOnly="true">
+      <xsd:simpleType>
+        <xsd:restriction base="dms:Note"/>
+      </xsd:simpleType>
+    </xsd:element>
+    <xsd:element name="MediaServiceFastMetadata" ma:index="9" nillable="true" ma:displayName="MediaServiceFastMetadata" ma:hidden="true" ma:internalName="MediaServiceFastMetadata" ma:readOnly="true">
+      <xsd:simpleType>
+        <xsd:restriction base="dms:Note"/>
+      </xsd:simpleType>
+    </xsd:element>
+    <xsd:element name="MediaServiceOCR" ma:index="10" nillable="true" ma:displayName="Extracted Text" ma:internalName="MediaServiceOCR" ma:readOnly="true">
+      <xsd:simpleType>
+        <xsd:restriction base="dms:Note">
+          <xsd:maxLength value="255"/>
+        </xsd:restriction>
+      </xsd:simpleType>
+    </xsd:element>
+    <xsd:element name="MediaServiceGenerationTime" ma:index="11" nillable="true" ma:displayName="MediaServiceGenerationTime" ma:hidden="true" ma:internalName="MediaServiceGenerationTime" ma:readOnly="true">
+      <xsd:simpleType>
+        <xsd:restriction base="dms:Text"/>
+      </xsd:simpleType>
+    </xsd:element>
+    <xsd:element name="MediaServiceEventHashCode" ma:index="12" nillable="true" ma:displayName="MediaServiceEventHashCode" ma:hidden="true" ma:internalName="MediaServiceEventHashCode" ma:readOnly="true">
+      <xsd:simpleType>
+        <xsd:restriction base="dms:Text"/>
+      </xsd:simpleType>
+    </xsd:element>
+    <xsd:element name="MediaServiceDateTaken" ma:index="15" nillable="true" ma:displayName="MediaServiceDateTaken" ma:hidden="true" ma:internalName="MediaServiceDateTaken" ma:readOnly="true">
+      <xsd:simpleType>
+        <xsd:restriction base="dms:Text"/>
+      </xsd:simpleType>
+    </xsd:element>
+    <xsd:element name="MediaServiceAutoKeyPoints" ma:index="16" nillable="true" ma:displayName="MediaServiceAutoKeyPoints" ma:hidden="true" ma:internalName="MediaServiceAutoKeyPoints" ma:readOnly="true">
+      <xsd:simpleType>
+        <xsd:restriction base="dms:Note"/>
+      </xsd:simpleType>
+    </xsd:element>
+    <xsd:element name="MediaServiceKeyPoints" ma:index="17" nillable="true" ma:displayName="KeyPoints" ma:internalName="MediaServiceKeyPoints" ma:readOnly="true">
+      <xsd:simpleType>
+        <xsd:restriction base="dms:Note">
+          <xsd:maxLength value="255"/>
+        </xsd:restriction>
+      </xsd:simpleType>
+    </xsd:element>
+    <xsd:element name="Speaker" ma:index="18" nillable="true" ma:displayName="Speaker" ma:format="Dropdown" ma:list="UserInfo" ma:SharePointGroup="0" ma:internalName="Speaker">
+      <xsd:complexType>
+        <xsd:complexContent>
+          <xsd:extension base="dms:UserMulti">
+            <xsd:sequence>
+              <xsd:element name="UserInfo" minOccurs="0" maxOccurs="unbounded">
+                <xsd:complexType>
+                  <xsd:sequence>
+                    <xsd:element name="DisplayName" type="xsd:string" minOccurs="0"/>
+                    <xsd:element name="AccountId" type="dms:UserId" minOccurs="0" nillable="true"/>
+                    <xsd:element name="AccountType" type="xsd:string" minOccurs="0"/>
+                  </xsd:sequence>
+                </xsd:complexType>
+              </xsd:element>
+            </xsd:sequence>
+          </xsd:extension>
+        </xsd:complexContent>
+      </xsd:complexType>
+    </xsd:element>
+    <xsd:element name="Datum" ma:index="19" nillable="true" ma:displayName="Datum" ma:default="2021-01-02T00:00:00Z" ma:format="DateOnly" ma:internalName="Datum">
+      <xsd:simpleType>
+        <xsd:restriction base="dms:DateTime"/>
+      </xsd:simpleType>
+    </xsd:element>
+    <xsd:element name="_Flow_SignoffStatus" ma:index="20" nillable="true" ma:displayName="Status Unterschrift" ma:internalName="Status_x0020_Unterschrift">
+      <xsd:simpleType>
+        <xsd:restriction base="dms:Text"/>
+      </xsd:simpleType>
+    </xsd:element>
+    <xsd:element name="MediaLengthInSeconds" ma:index="21" nillable="true" ma:displayName="Length (seconds)" ma:internalName="MediaLengthInSeconds" ma:readOnly="true">
+      <xsd:simpleType>
+        <xsd:restriction base="dms:Unknown"/>
+      </xsd:simpleType>
+    </xsd:element>
+    <xsd:element name="MediaServiceLocation" ma:index="22" nillable="true" ma:displayName="Location" ma:internalName="MediaServiceLocation" ma:readOnly="true">
+      <xsd:simpleType>
+        <xsd:restriction base="dms:Text"/>
+      </xsd:simpleType>
+    </xsd:element>
+    <xsd:element name="lcf76f155ced4ddcb4097134ff3c332f" ma:index="24" nillable="true" ma:taxonomy="true" ma:internalName="lcf76f155ced4ddcb4097134ff3c332f" ma:taxonomyFieldName="MediaServiceImageTags" ma:displayName="Bildmarkierungen" ma:readOnly="false" ma:fieldId="{5cf76f15-5ced-4ddc-b409-7134ff3c332f}" ma:taxonomyMulti="true" ma:sspId="9a48e02a-304b-44db-a51f-647cba8d1c2e" ma:termSetId="09814cd3-568e-fe90-9814-8d621ff8fb84" ma:anchorId="fba54fb3-c3e1-fe81-a776-ca4b69148c4d" ma:open="true" ma:isKeyword="false">
+      <xsd:complexType>
+        <xsd:sequence>
+          <xsd:element ref="pc:Terms" minOccurs="0" maxOccurs="1"/>
+        </xsd:sequence>
+      </xsd:complexType>
+    </xsd:element>
+  </xsd:schema>
+  <xsd:schema xmlns:xsd="http://www.w3.org/2001/XMLSchema" xmlns:xs="http://www.w3.org/2001/XMLSchema" xmlns:dms="http://schemas.microsoft.com/office/2006/documentManagement/types" xmlns:pc="http://schemas.microsoft.com/office/infopath/2007/PartnerControls" targetNamespace="bd5c1ef4-a5a8-4f60-b734-518beb01c7b7" elementFormDefault="qualified">
+    <xsd:import namespace="http://schemas.microsoft.com/office/2006/documentManagement/types"/>
+    <xsd:import namespace="http://schemas.microsoft.com/office/infopath/2007/PartnerControls"/>
+    <xsd:element name="SharedWithUsers" ma:index="13" nillable="true" ma:displayName="Freigegeben für" ma:internalName="SharedWithUsers" ma:readOnly="true">
+      <xsd:complexType>
+        <xsd:complexContent>
+          <xsd:extension base="dms:UserMulti">
+            <xsd:sequence>
+              <xsd:element name="UserInfo" minOccurs="0" maxOccurs="unbounded">
+                <xsd:complexType>
+                  <xsd:sequence>
+                    <xsd:element name="DisplayName" type="xsd:string" minOccurs="0"/>
+                    <xsd:element name="AccountId" type="dms:UserId" minOccurs="0" nillable="true"/>
+                    <xsd:element name="AccountType" type="xsd:string" minOccurs="0"/>
+                  </xsd:sequence>
+                </xsd:complexType>
+              </xsd:element>
+            </xsd:sequence>
+          </xsd:extension>
+        </xsd:complexContent>
+      </xsd:complexType>
+    </xsd:element>
+    <xsd:element name="SharedWithDetails" ma:index="14" nillable="true" ma:displayName="Freigegeben für - Details" ma:internalName="SharedWithDetails" ma:readOnly="true">
+      <xsd:simpleType>
+        <xsd:restriction base="dms:Note">
+          <xsd:maxLength value="255"/>
+        </xsd:restriction>
+      </xsd:simpleType>
+    </xsd:element>
+    <xsd:element name="TaxCatchAll" ma:index="25" nillable="true" ma:displayName="Taxonomy Catch All Column" ma:hidden="true" ma:list="{8c5dfd34-6cc8-4139-8954-d3e7e36d7eca}" ma:internalName="TaxCatchAll" ma:showField="CatchAllData" ma:web="bd5c1ef4-a5a8-4f60-b734-518beb01c7b7">
+      <xsd:complexType>
+        <xsd:complexContent>
+          <xsd:extension base="dms:MultiChoiceLookup">
+            <xsd:sequence>
+              <xsd:element name="Value" type="dms:Lookup" maxOccurs="unbounded" minOccurs="0" nillable="true"/>
+            </xsd:sequence>
+          </xsd:extension>
+        </xsd:complexContent>
+      </xsd:complexType>
+    </xsd:element>
+  </xsd:schema>
+  <xsd:schema xmlns="http://schemas.openxmlformats.org/package/2006/metadata/core-properties" xmlns:xsd="http://www.w3.org/2001/XMLSchema" xmlns:xsi="http://www.w3.org/2001/XMLSchema-instance" xmlns:dc="http://purl.org/dc/elements/1.1/" xmlns:dcterms="http://purl.org/dc/terms/" xmlns:odoc="http://schemas.microsoft.com/internal/obd" targetNamespace="http://schemas.openxmlformats.org/package/2006/metadata/core-properties" elementFormDefault="qualified" attributeFormDefault="unqualified" blockDefault="#all">
+    <xsd:import namespace="http://purl.org/dc/elements/1.1/" schemaLocation="http://dublincore.org/schemas/xmls/qdc/2003/04/02/dc.xsd"/>
+    <xsd:import namespace="http://purl.org/dc/terms/" schemaLocation="http://dublincore.org/schemas/xmls/qdc/2003/04/02/dcterms.xsd"/>
+    <xsd:element name="coreProperties" type="CT_coreProperties"/>
+    <xsd:complexType name="CT_coreProperties">
+      <xsd:all>
+        <xsd:element ref="dc:creator" minOccurs="0" maxOccurs="1"/>
+        <xsd:element ref="dcterms:created" minOccurs="0" maxOccurs="1"/>
+        <xsd:element ref="dc:identifier" minOccurs="0" maxOccurs="1"/>
+        <xsd:element name="contentType" minOccurs="0" maxOccurs="1" type="xsd:string" ma:index="0" ma:displayName="Inhaltstyp"/>
+        <xsd:element ref="dc:title" minOccurs="0" maxOccurs="1" ma:index="4" ma:displayName="Titel"/>
+        <xsd:element ref="dc:subject" minOccurs="0" maxOccurs="1"/>
+        <xsd:element ref="dc:description" minOccurs="0" maxOccurs="1"/>
+        <xsd:element name="keywords" minOccurs="0" maxOccurs="1" type="xsd:string"/>
+        <xsd:element ref="dc:language" minOccurs="0" maxOccurs="1"/>
+        <xsd:element name="category" minOccurs="0" maxOccurs="1" type="xsd:string"/>
+        <xsd:element name="version" minOccurs="0" maxOccurs="1" type="xsd:string"/>
+        <xsd:element name="revision" minOccurs="0" maxOccurs="1" type="xsd:string">
+          <xsd:annotation>
+            <xsd:documentation>
+                        This value indicates the number of saves or revisions. The application is responsible for updating this value after each revision.
+                    </xsd:documentation>
+          </xsd:annotation>
+        </xsd:element>
+        <xsd:element name="lastModifiedBy" minOccurs="0" maxOccurs="1" type="xsd:string"/>
+        <xsd:element ref="dcterms:modified" minOccurs="0" maxOccurs="1"/>
+        <xsd:element name="contentStatus" minOccurs="0" maxOccurs="1" type="xsd:string"/>
+      </xsd:all>
+    </xsd:complexType>
+  </xsd:schema>
+  <xs:schema xmlns:pc="http://schemas.microsoft.com/office/infopath/2007/PartnerControls" xmlns:xs="http://www.w3.org/2001/XMLSchema" targetNamespace="http://schemas.microsoft.com/office/infopath/2007/PartnerControls" elementFormDefault="qualified" attributeFormDefault="unqualified">
+    <xs:element name="Person">
+      <xs:complexType>
+        <xs:sequence>
+          <xs:element ref="pc:DisplayName" minOccurs="0"/>
+          <xs:element ref="pc:AccountId" minOccurs="0"/>
+          <xs:element ref="pc:AccountType" minOccurs="0"/>
+        </xs:sequence>
+      </xs:complexType>
+    </xs:element>
+    <xs:element name="DisplayName" type="xs:string"/>
+    <xs:element name="AccountId" type="xs:string"/>
+    <xs:element name="AccountType" type="xs:string"/>
+    <xs:element name="BDCAssociatedEntity">
+      <xs:complexType>
+        <xs:sequence>
+          <xs:element ref="pc:BDCEntity" minOccurs="0" maxOccurs="unbounded"/>
+        </xs:sequence>
+        <xs:attribute ref="pc:EntityNamespace"/>
+        <xs:attribute ref="pc:EntityName"/>
+        <xs:attribute ref="pc:SystemInstanceName"/>
+        <xs:attribute ref="pc:AssociationName"/>
+      </xs:complexType>
+    </xs:element>
+    <xs:attribute name="EntityNamespace" type="xs:string"/>
+    <xs:attribute name="EntityName" type="xs:string"/>
+    <xs:attribute name="SystemInstanceName" type="xs:string"/>
+    <xs:attribute name="AssociationName" type="xs:string"/>
+    <xs:element name="BDCEntity">
+      <xs:complexType>
+        <xs:sequence>
+          <xs:element ref="pc:EntityDisplayName" minOccurs="0"/>
+          <xs:element ref="pc:EntityInstanceReference" minOccurs="0"/>
+          <xs:element ref="pc:EntityId1" minOccurs="0"/>
+          <xs:element ref="pc:EntityId2" minOccurs="0"/>
+          <xs:element ref="pc:EntityId3" minOccurs="0"/>
+          <xs:element ref="pc:EntityId4" minOccurs="0"/>
+          <xs:element ref="pc:EntityId5" minOccurs="0"/>
+        </xs:sequence>
+      </xs:complexType>
+    </xs:element>
+    <xs:element name="EntityDisplayName" type="xs:string"/>
+    <xs:element name="EntityInstanceReference" type="xs:string"/>
+    <xs:element name="EntityId1" type="xs:string"/>
+    <xs:element name="EntityId2" type="xs:string"/>
+    <xs:element name="EntityId3" type="xs:string"/>
+    <xs:element name="EntityId4" type="xs:string"/>
+    <xs:element name="EntityId5" type="xs:string"/>
+    <xs:element name="Terms">
+      <xs:complexType>
+        <xs:sequence>
+          <xs:element ref="pc:TermInfo" minOccurs="0" maxOccurs="unbounded"/>
+        </xs:sequence>
+      </xs:complexType>
+    </xs:element>
+    <xs:element name="TermInfo">
+      <xs:complexType>
+        <xs:sequence>
+          <xs:element ref="pc:TermName" minOccurs="0"/>
+          <xs:element ref="pc:TermId" minOccurs="0"/>
+        </xs:sequence>
+      </xs:complexType>
+    </xs:element>
+    <xs:element name="TermName" type="xs:string"/>
+    <xs:element name="TermId" type="xs:string"/>
+  </xs:schema>
+</ct:contentTypeSchema>
+</file>
+
+<file path=customXml/item3.xml><?xml version="1.0" encoding="utf-8"?>
+<?mso-contentType ?>
+<FormTemplates xmlns="http://schemas.microsoft.com/sharepoint/v3/contenttype/forms">
+  <Display>DocumentLibraryForm</Display>
+  <Edit>DocumentLibraryForm</Edit>
+  <New>DocumentLibraryForm</New>
+</FormTemplates>
+</file>
+
+<file path=customXml/itemProps1.xml><?xml version="1.0" encoding="utf-8"?>
+<ds:datastoreItem xmlns:ds="http://schemas.openxmlformats.org/officeDocument/2006/customXml" ds:itemID="{88383E14-D3F5-4842-8B29-BAFB3C36CDD1}">
+  <ds:schemaRefs>
+    <ds:schemaRef ds:uri="http://schemas.microsoft.com/office/2006/metadata/properties"/>
+    <ds:schemaRef ds:uri="http://schemas.microsoft.com/office/infopath/2007/PartnerControls"/>
+    <ds:schemaRef ds:uri="9a7d57e2-a6f6-4353-bdc3-995d0b2e54a4"/>
+    <ds:schemaRef ds:uri="bd5c1ef4-a5a8-4f60-b734-518beb01c7b7"/>
+  </ds:schemaRefs>
+</ds:datastoreItem>
+</file>
+
+<file path=customXml/itemProps2.xml><?xml version="1.0" encoding="utf-8"?>
+<ds:datastoreItem xmlns:ds="http://schemas.openxmlformats.org/officeDocument/2006/customXml" ds:itemID="{F771DBB5-34B1-45AF-AE9A-E95047E5E2F8}">
+  <ds:schemaRefs>
+    <ds:schemaRef ds:uri="http://schemas.microsoft.com/office/2006/metadata/contentType"/>
+    <ds:schemaRef ds:uri="http://schemas.microsoft.com/office/2006/metadata/properties/metaAttributes"/>
+    <ds:schemaRef ds:uri="http://www.w3.org/2001/XMLSchema"/>
+    <ds:schemaRef ds:uri="http://schemas.microsoft.com/office/2006/metadata/properties"/>
+    <ds:schemaRef ds:uri="9a7d57e2-a6f6-4353-bdc3-995d0b2e54a4"/>
+    <ds:schemaRef ds:uri="bd5c1ef4-a5a8-4f60-b734-518beb01c7b7"/>
+    <ds:schemaRef ds:uri="http://schemas.microsoft.com/office/2006/documentManagement/types"/>
+    <ds:schemaRef ds:uri="http://schemas.microsoft.com/office/infopath/2007/PartnerControls"/>
+    <ds:schemaRef ds:uri="http://schemas.openxmlformats.org/package/2006/metadata/core-properties"/>
+    <ds:schemaRef ds:uri="http://purl.org/dc/elements/1.1/"/>
+    <ds:schemaRef ds:uri="http://purl.org/dc/terms/"/>
+    <ds:schemaRef ds:uri="http://schemas.microsoft.com/internal/obd"/>
+  </ds:schemaRefs>
+</ds:datastoreItem>
+</file>
+
+<file path=customXml/itemProps3.xml><?xml version="1.0" encoding="utf-8"?>
+<ds:datastoreItem xmlns:ds="http://schemas.openxmlformats.org/officeDocument/2006/customXml" ds:itemID="{B9D2EB95-46D4-4E72-8605-AD808543CAA3}">
+  <ds:schemaRefs>
+    <ds:schemaRef ds:uri="http://schemas.microsoft.com/sharepoint/v3/contenttype/forms"/>
+  </ds:schemaRefs>
+</ds:datastoreItem>
 </file>
--- a/model slides/heatpump.pptx
+++ b/model slides/heatpump.pptx
@@ -9346,7 +9346,7 @@
 <file path=customXml/item1.xml><?xml version="1.0" encoding="utf-8"?>
 <p:properties xmlns:p="http://schemas.microsoft.com/office/2006/metadata/properties" xmlns:xsi="http://www.w3.org/2001/XMLSchema-instance" xmlns:pc="http://schemas.microsoft.com/office/infopath/2007/PartnerControls">
   <documentManagement>
-    <Datum xmlns="9a7d57e2-a6f6-4353-bdc3-995d0b2e54a4">2021-01-02T00:00:00Z</Datum>
+    <Datum xmlns="9a7d57e2-a6f6-4353-bdc3-995d0b2e54a4">2021-01-02T00:00:00+00:00</Datum>
     <_Flow_SignoffStatus xmlns="9a7d57e2-a6f6-4353-bdc3-995d0b2e54a4" xsi:nil="true"/>
     <Speaker xmlns="9a7d57e2-a6f6-4353-bdc3-995d0b2e54a4">
       <UserInfo>

--- a/model slides/heatpump.pptx
+++ b/model slides/heatpump.pptx
@@ -114,15 +114,6 @@
 </p:presentation>
 </file>
 
-<file path=ppt/revisionInfo.xml><?xml version="1.0" encoding="utf-8"?>
-<p1510:revInfo xmlns:a="http://schemas.openxmlformats.org/drawingml/2006/main" xmlns:r="http://schemas.openxmlformats.org/officeDocument/2006/relationships" xmlns:p1510="http://schemas.microsoft.com/office/powerpoint/2015/10/main">
-  <p1510:revLst>
-    <p1510:client id="{EAC605AC-AB4F-4AC6-B849-E37422DC50CB}" v="288" dt="2022-07-14T15:58:52.591"/>
-    <p1510:client id="{F4620B83-ED4C-433B-BC9D-C37C32892B26}" v="20" dt="2022-07-14T08:54:09.124"/>
-  </p1510:revLst>
-</p1510:revInfo>
-</file>
-
 <file path=ppt/changesInfos/changesInfo1.xml><?xml version="1.0" encoding="utf-8"?>
 <pc:chgInfo xmlns:a="http://schemas.openxmlformats.org/drawingml/2006/main" xmlns:r="http://schemas.openxmlformats.org/officeDocument/2006/relationships" xmlns:ac="http://schemas.microsoft.com/office/drawing/2013/main/command" xmlns:pc="http://schemas.microsoft.com/office/powerpoint/2013/main/command">
   <pc:docChgLst>
@@ -196,6 +187,214 @@
       </pc:sldChg>
     </pc:docChg>
   </pc:docChgLst>
+  <pc:docChgLst>
+    <pc:chgData name="Lucas Edward HSLU T&amp;A" userId="0b6f48ed-087d-452a-a0b3-4eb82d34cfa5" providerId="ADAL" clId="{BFA0D592-E0FB-4E64-96FF-4BB7C913BA20}"/>
+    <pc:docChg chg="custSel modSld">
+      <pc:chgData name="Lucas Edward HSLU T&amp;A" userId="0b6f48ed-087d-452a-a0b3-4eb82d34cfa5" providerId="ADAL" clId="{BFA0D592-E0FB-4E64-96FF-4BB7C913BA20}" dt="2022-07-18T14:20:20.406" v="18" actId="20577"/>
+      <pc:docMkLst>
+        <pc:docMk/>
+      </pc:docMkLst>
+      <pc:sldChg chg="addSp delSp modSp mod">
+        <pc:chgData name="Lucas Edward HSLU T&amp;A" userId="0b6f48ed-087d-452a-a0b3-4eb82d34cfa5" providerId="ADAL" clId="{BFA0D592-E0FB-4E64-96FF-4BB7C913BA20}" dt="2022-07-18T14:20:20.406" v="18" actId="20577"/>
+        <pc:sldMkLst>
+          <pc:docMk/>
+          <pc:sldMk cId="1071076360" sldId="258"/>
+        </pc:sldMkLst>
+        <pc:spChg chg="mod">
+          <ac:chgData name="Lucas Edward HSLU T&amp;A" userId="0b6f48ed-087d-452a-a0b3-4eb82d34cfa5" providerId="ADAL" clId="{BFA0D592-E0FB-4E64-96FF-4BB7C913BA20}" dt="2022-07-18T14:20:20.406" v="18" actId="20577"/>
+          <ac:spMkLst>
+            <pc:docMk/>
+            <pc:sldMk cId="1071076360" sldId="258"/>
+            <ac:spMk id="4" creationId="{6FA85465-C054-356B-5A1E-8761AEA1281D}"/>
+          </ac:spMkLst>
+        </pc:spChg>
+        <pc:spChg chg="del">
+          <ac:chgData name="Lucas Edward HSLU T&amp;A" userId="0b6f48ed-087d-452a-a0b3-4eb82d34cfa5" providerId="ADAL" clId="{BFA0D592-E0FB-4E64-96FF-4BB7C913BA20}" dt="2022-07-18T14:19:58.916" v="7" actId="478"/>
+          <ac:spMkLst>
+            <pc:docMk/>
+            <pc:sldMk cId="1071076360" sldId="258"/>
+            <ac:spMk id="5" creationId="{4CDF34A6-A22D-A0F1-57D2-BD80A4E506A0}"/>
+          </ac:spMkLst>
+        </pc:spChg>
+        <pc:spChg chg="add del mod">
+          <ac:chgData name="Lucas Edward HSLU T&amp;A" userId="0b6f48ed-087d-452a-a0b3-4eb82d34cfa5" providerId="ADAL" clId="{BFA0D592-E0FB-4E64-96FF-4BB7C913BA20}" dt="2022-07-18T14:20:00.590" v="8"/>
+          <ac:spMkLst>
+            <pc:docMk/>
+            <pc:sldMk cId="1071076360" sldId="258"/>
+            <ac:spMk id="8" creationId="{C860EB49-C204-E84A-A152-C9C5ACCBD6FA}"/>
+          </ac:spMkLst>
+        </pc:spChg>
+        <pc:spChg chg="add del mod">
+          <ac:chgData name="Lucas Edward HSLU T&amp;A" userId="0b6f48ed-087d-452a-a0b3-4eb82d34cfa5" providerId="ADAL" clId="{BFA0D592-E0FB-4E64-96FF-4BB7C913BA20}" dt="2022-07-18T14:20:08.686" v="11" actId="478"/>
+          <ac:spMkLst>
+            <pc:docMk/>
+            <pc:sldMk cId="1071076360" sldId="258"/>
+            <ac:spMk id="17" creationId="{6BA992A2-6577-F3D5-1E70-308DC6502F7F}"/>
+          </ac:spMkLst>
+        </pc:spChg>
+        <pc:spChg chg="del">
+          <ac:chgData name="Lucas Edward HSLU T&amp;A" userId="0b6f48ed-087d-452a-a0b3-4eb82d34cfa5" providerId="ADAL" clId="{BFA0D592-E0FB-4E64-96FF-4BB7C913BA20}" dt="2022-07-18T14:19:58.916" v="7" actId="478"/>
+          <ac:spMkLst>
+            <pc:docMk/>
+            <pc:sldMk cId="1071076360" sldId="258"/>
+            <ac:spMk id="43" creationId="{9B6BF452-AD16-5EE0-4154-311B5E0DFEFB}"/>
+          </ac:spMkLst>
+        </pc:spChg>
+        <pc:spChg chg="del">
+          <ac:chgData name="Lucas Edward HSLU T&amp;A" userId="0b6f48ed-087d-452a-a0b3-4eb82d34cfa5" providerId="ADAL" clId="{BFA0D592-E0FB-4E64-96FF-4BB7C913BA20}" dt="2022-07-18T14:19:58.916" v="7" actId="478"/>
+          <ac:spMkLst>
+            <pc:docMk/>
+            <pc:sldMk cId="1071076360" sldId="258"/>
+            <ac:spMk id="50" creationId="{7060AC75-1072-A976-F8FF-2625A2CC38D0}"/>
+          </ac:spMkLst>
+        </pc:spChg>
+        <pc:spChg chg="del">
+          <ac:chgData name="Lucas Edward HSLU T&amp;A" userId="0b6f48ed-087d-452a-a0b3-4eb82d34cfa5" providerId="ADAL" clId="{BFA0D592-E0FB-4E64-96FF-4BB7C913BA20}" dt="2022-07-18T14:19:58.916" v="7" actId="478"/>
+          <ac:spMkLst>
+            <pc:docMk/>
+            <pc:sldMk cId="1071076360" sldId="258"/>
+            <ac:spMk id="51" creationId="{5FD5C01F-3D8E-174C-485E-CC72BED12064}"/>
+          </ac:spMkLst>
+        </pc:spChg>
+        <pc:spChg chg="del">
+          <ac:chgData name="Lucas Edward HSLU T&amp;A" userId="0b6f48ed-087d-452a-a0b3-4eb82d34cfa5" providerId="ADAL" clId="{BFA0D592-E0FB-4E64-96FF-4BB7C913BA20}" dt="2022-07-18T14:19:58.916" v="7" actId="478"/>
+          <ac:spMkLst>
+            <pc:docMk/>
+            <pc:sldMk cId="1071076360" sldId="258"/>
+            <ac:spMk id="64" creationId="{FEB163A8-6E73-98C7-C3C0-E516A3B507AF}"/>
+          </ac:spMkLst>
+        </pc:spChg>
+        <pc:spChg chg="del">
+          <ac:chgData name="Lucas Edward HSLU T&amp;A" userId="0b6f48ed-087d-452a-a0b3-4eb82d34cfa5" providerId="ADAL" clId="{BFA0D592-E0FB-4E64-96FF-4BB7C913BA20}" dt="2022-07-18T14:19:58.916" v="7" actId="478"/>
+          <ac:spMkLst>
+            <pc:docMk/>
+            <pc:sldMk cId="1071076360" sldId="258"/>
+            <ac:spMk id="65" creationId="{1EBB8F3E-2870-122C-9EE1-AD774398F49C}"/>
+          </ac:spMkLst>
+        </pc:spChg>
+        <pc:spChg chg="del">
+          <ac:chgData name="Lucas Edward HSLU T&amp;A" userId="0b6f48ed-087d-452a-a0b3-4eb82d34cfa5" providerId="ADAL" clId="{BFA0D592-E0FB-4E64-96FF-4BB7C913BA20}" dt="2022-07-18T14:19:58.916" v="7" actId="478"/>
+          <ac:spMkLst>
+            <pc:docMk/>
+            <pc:sldMk cId="1071076360" sldId="258"/>
+            <ac:spMk id="66" creationId="{91D9931C-2784-ECCC-4982-4826B9DE8A82}"/>
+          </ac:spMkLst>
+        </pc:spChg>
+        <pc:spChg chg="del">
+          <ac:chgData name="Lucas Edward HSLU T&amp;A" userId="0b6f48ed-087d-452a-a0b3-4eb82d34cfa5" providerId="ADAL" clId="{BFA0D592-E0FB-4E64-96FF-4BB7C913BA20}" dt="2022-07-18T14:19:58.916" v="7" actId="478"/>
+          <ac:spMkLst>
+            <pc:docMk/>
+            <pc:sldMk cId="1071076360" sldId="258"/>
+            <ac:spMk id="67" creationId="{880F5308-D45C-3539-1B84-B49B4B838187}"/>
+          </ac:spMkLst>
+        </pc:spChg>
+        <pc:grpChg chg="del">
+          <ac:chgData name="Lucas Edward HSLU T&amp;A" userId="0b6f48ed-087d-452a-a0b3-4eb82d34cfa5" providerId="ADAL" clId="{BFA0D592-E0FB-4E64-96FF-4BB7C913BA20}" dt="2022-07-18T14:19:50.266" v="5" actId="478"/>
+          <ac:grpSpMkLst>
+            <pc:docMk/>
+            <pc:sldMk cId="1071076360" sldId="258"/>
+            <ac:grpSpMk id="33" creationId="{5B8211E5-E734-6541-187C-00DB6EC052D5}"/>
+          </ac:grpSpMkLst>
+        </pc:grpChg>
+        <pc:picChg chg="add del mod modCrop">
+          <ac:chgData name="Lucas Edward HSLU T&amp;A" userId="0b6f48ed-087d-452a-a0b3-4eb82d34cfa5" providerId="ADAL" clId="{BFA0D592-E0FB-4E64-96FF-4BB7C913BA20}" dt="2022-07-18T14:19:53.376" v="6" actId="21"/>
+          <ac:picMkLst>
+            <pc:docMk/>
+            <pc:sldMk cId="1071076360" sldId="258"/>
+            <ac:picMk id="3" creationId="{F71D7430-8C0A-7F4C-3A05-77D4114CF72F}"/>
+          </ac:picMkLst>
+        </pc:picChg>
+        <pc:picChg chg="add del mod">
+          <ac:chgData name="Lucas Edward HSLU T&amp;A" userId="0b6f48ed-087d-452a-a0b3-4eb82d34cfa5" providerId="ADAL" clId="{BFA0D592-E0FB-4E64-96FF-4BB7C913BA20}" dt="2022-07-18T14:20:03.966" v="9" actId="478"/>
+          <ac:picMkLst>
+            <pc:docMk/>
+            <pc:sldMk cId="1071076360" sldId="258"/>
+            <ac:picMk id="34" creationId="{73B31317-9942-5C85-A8B1-67ED3A7B09BB}"/>
+          </ac:picMkLst>
+        </pc:picChg>
+        <pc:picChg chg="add mod">
+          <ac:chgData name="Lucas Edward HSLU T&amp;A" userId="0b6f48ed-087d-452a-a0b3-4eb82d34cfa5" providerId="ADAL" clId="{BFA0D592-E0FB-4E64-96FF-4BB7C913BA20}" dt="2022-07-18T14:20:14.125" v="12" actId="1076"/>
+          <ac:picMkLst>
+            <pc:docMk/>
+            <pc:sldMk cId="1071076360" sldId="258"/>
+            <ac:picMk id="36" creationId="{EA207DEC-E6A1-36F5-FCAB-5F88A3CC06B5}"/>
+          </ac:picMkLst>
+        </pc:picChg>
+        <pc:cxnChg chg="mod">
+          <ac:chgData name="Lucas Edward HSLU T&amp;A" userId="0b6f48ed-087d-452a-a0b3-4eb82d34cfa5" providerId="ADAL" clId="{BFA0D592-E0FB-4E64-96FF-4BB7C913BA20}" dt="2022-07-18T14:19:50.266" v="5" actId="478"/>
+          <ac:cxnSpMkLst>
+            <pc:docMk/>
+            <pc:sldMk cId="1071076360" sldId="258"/>
+            <ac:cxnSpMk id="22" creationId="{DB9A04F0-E3AD-CDFC-0F33-2409F86AE8A1}"/>
+          </ac:cxnSpMkLst>
+        </pc:cxnChg>
+        <pc:cxnChg chg="mod">
+          <ac:chgData name="Lucas Edward HSLU T&amp;A" userId="0b6f48ed-087d-452a-a0b3-4eb82d34cfa5" providerId="ADAL" clId="{BFA0D592-E0FB-4E64-96FF-4BB7C913BA20}" dt="2022-07-18T14:19:50.266" v="5" actId="478"/>
+          <ac:cxnSpMkLst>
+            <pc:docMk/>
+            <pc:sldMk cId="1071076360" sldId="258"/>
+            <ac:cxnSpMk id="24" creationId="{CC010AF8-F525-17A8-31BE-2CA70E001F1F}"/>
+          </ac:cxnSpMkLst>
+        </pc:cxnChg>
+        <pc:cxnChg chg="mod">
+          <ac:chgData name="Lucas Edward HSLU T&amp;A" userId="0b6f48ed-087d-452a-a0b3-4eb82d34cfa5" providerId="ADAL" clId="{BFA0D592-E0FB-4E64-96FF-4BB7C913BA20}" dt="2022-07-18T14:19:50.266" v="5" actId="478"/>
+          <ac:cxnSpMkLst>
+            <pc:docMk/>
+            <pc:sldMk cId="1071076360" sldId="258"/>
+            <ac:cxnSpMk id="27" creationId="{04B1C75D-E91B-B8C4-F9F0-359556DD2E1A}"/>
+          </ac:cxnSpMkLst>
+        </pc:cxnChg>
+        <pc:cxnChg chg="mod">
+          <ac:chgData name="Lucas Edward HSLU T&amp;A" userId="0b6f48ed-087d-452a-a0b3-4eb82d34cfa5" providerId="ADAL" clId="{BFA0D592-E0FB-4E64-96FF-4BB7C913BA20}" dt="2022-07-18T14:19:50.266" v="5" actId="478"/>
+          <ac:cxnSpMkLst>
+            <pc:docMk/>
+            <pc:sldMk cId="1071076360" sldId="258"/>
+            <ac:cxnSpMk id="30" creationId="{0185C5A2-722A-AFE0-692D-1AC4FC853EF6}"/>
+          </ac:cxnSpMkLst>
+        </pc:cxnChg>
+        <pc:cxnChg chg="del mod">
+          <ac:chgData name="Lucas Edward HSLU T&amp;A" userId="0b6f48ed-087d-452a-a0b3-4eb82d34cfa5" providerId="ADAL" clId="{BFA0D592-E0FB-4E64-96FF-4BB7C913BA20}" dt="2022-07-18T14:19:58.916" v="7" actId="478"/>
+          <ac:cxnSpMkLst>
+            <pc:docMk/>
+            <pc:sldMk cId="1071076360" sldId="258"/>
+            <ac:cxnSpMk id="41" creationId="{7FF7C3FF-95CD-52D9-EE87-9E1CB6FC1ED6}"/>
+          </ac:cxnSpMkLst>
+        </pc:cxnChg>
+        <pc:cxnChg chg="del">
+          <ac:chgData name="Lucas Edward HSLU T&amp;A" userId="0b6f48ed-087d-452a-a0b3-4eb82d34cfa5" providerId="ADAL" clId="{BFA0D592-E0FB-4E64-96FF-4BB7C913BA20}" dt="2022-07-18T14:19:58.916" v="7" actId="478"/>
+          <ac:cxnSpMkLst>
+            <pc:docMk/>
+            <pc:sldMk cId="1071076360" sldId="258"/>
+            <ac:cxnSpMk id="45" creationId="{928598D6-5432-76B2-9E52-939AD7D3B5DB}"/>
+          </ac:cxnSpMkLst>
+        </pc:cxnChg>
+        <pc:cxnChg chg="del">
+          <ac:chgData name="Lucas Edward HSLU T&amp;A" userId="0b6f48ed-087d-452a-a0b3-4eb82d34cfa5" providerId="ADAL" clId="{BFA0D592-E0FB-4E64-96FF-4BB7C913BA20}" dt="2022-07-18T14:19:58.916" v="7" actId="478"/>
+          <ac:cxnSpMkLst>
+            <pc:docMk/>
+            <pc:sldMk cId="1071076360" sldId="258"/>
+            <ac:cxnSpMk id="48" creationId="{751EE9B6-4895-F553-F44E-5C0B80E877B0}"/>
+          </ac:cxnSpMkLst>
+        </pc:cxnChg>
+        <pc:cxnChg chg="del">
+          <ac:chgData name="Lucas Edward HSLU T&amp;A" userId="0b6f48ed-087d-452a-a0b3-4eb82d34cfa5" providerId="ADAL" clId="{BFA0D592-E0FB-4E64-96FF-4BB7C913BA20}" dt="2022-07-18T14:19:58.916" v="7" actId="478"/>
+          <ac:cxnSpMkLst>
+            <pc:docMk/>
+            <pc:sldMk cId="1071076360" sldId="258"/>
+            <ac:cxnSpMk id="53" creationId="{4EE5D5AA-526E-F70C-FBE8-DCA9651C5971}"/>
+          </ac:cxnSpMkLst>
+        </pc:cxnChg>
+        <pc:cxnChg chg="del">
+          <ac:chgData name="Lucas Edward HSLU T&amp;A" userId="0b6f48ed-087d-452a-a0b3-4eb82d34cfa5" providerId="ADAL" clId="{BFA0D592-E0FB-4E64-96FF-4BB7C913BA20}" dt="2022-07-18T14:19:58.916" v="7" actId="478"/>
+          <ac:cxnSpMkLst>
+            <pc:docMk/>
+            <pc:sldMk cId="1071076360" sldId="258"/>
+            <ac:cxnSpMk id="63" creationId="{989337AB-74B1-DA13-2595-4F732FD42FC4}"/>
+          </ac:cxnSpMkLst>
+        </pc:cxnChg>
+      </pc:sldChg>
+    </pc:docChg>
+  </pc:docChgLst>
 </pc:chgInfo>
 </file>
 
@@ -348,7 +547,7 @@
           <a:p>
             <a:fld id="{1945E603-6FD8-4E82-AA66-1D498947CA43}" type="datetimeFigureOut">
               <a:rPr lang="en-CH" smtClean="0"/>
-              <a:t>07/14/2022</a:t>
+              <a:t>18/07/2022</a:t>
             </a:fld>
             <a:endParaRPr lang="en-CH"/>
           </a:p>
@@ -548,7 +747,7 @@
           <a:p>
             <a:fld id="{1945E603-6FD8-4E82-AA66-1D498947CA43}" type="datetimeFigureOut">
               <a:rPr lang="en-CH" smtClean="0"/>
-              <a:t>07/14/2022</a:t>
+              <a:t>18/07/2022</a:t>
             </a:fld>
             <a:endParaRPr lang="en-CH"/>
           </a:p>
@@ -758,7 +957,7 @@
           <a:p>
             <a:fld id="{1945E603-6FD8-4E82-AA66-1D498947CA43}" type="datetimeFigureOut">
               <a:rPr lang="en-CH" smtClean="0"/>
-              <a:t>07/14/2022</a:t>
+              <a:t>18/07/2022</a:t>
             </a:fld>
             <a:endParaRPr lang="en-CH"/>
           </a:p>
@@ -958,7 +1157,7 @@
           <a:p>
             <a:fld id="{1945E603-6FD8-4E82-AA66-1D498947CA43}" type="datetimeFigureOut">
               <a:rPr lang="en-CH" smtClean="0"/>
-              <a:t>07/14/2022</a:t>
+              <a:t>18/07/2022</a:t>
             </a:fld>
             <a:endParaRPr lang="en-CH"/>
           </a:p>
@@ -1234,7 +1433,7 @@
           <a:p>
             <a:fld id="{1945E603-6FD8-4E82-AA66-1D498947CA43}" type="datetimeFigureOut">
               <a:rPr lang="en-CH" smtClean="0"/>
-              <a:t>07/14/2022</a:t>
+              <a:t>18/07/2022</a:t>
             </a:fld>
             <a:endParaRPr lang="en-CH"/>
           </a:p>
@@ -1502,7 +1701,7 @@
           <a:p>
             <a:fld id="{1945E603-6FD8-4E82-AA66-1D498947CA43}" type="datetimeFigureOut">
               <a:rPr lang="en-CH" smtClean="0"/>
-              <a:t>07/14/2022</a:t>
+              <a:t>18/07/2022</a:t>
             </a:fld>
             <a:endParaRPr lang="en-CH"/>
           </a:p>
@@ -1917,7 +2116,7 @@
           <a:p>
             <a:fld id="{1945E603-6FD8-4E82-AA66-1D498947CA43}" type="datetimeFigureOut">
               <a:rPr lang="en-CH" smtClean="0"/>
-              <a:t>07/14/2022</a:t>
+              <a:t>18/07/2022</a:t>
             </a:fld>
             <a:endParaRPr lang="en-CH"/>
           </a:p>
@@ -2059,7 +2258,7 @@
           <a:p>
             <a:fld id="{1945E603-6FD8-4E82-AA66-1D498947CA43}" type="datetimeFigureOut">
               <a:rPr lang="en-CH" smtClean="0"/>
-              <a:t>07/14/2022</a:t>
+              <a:t>18/07/2022</a:t>
             </a:fld>
             <a:endParaRPr lang="en-CH"/>
           </a:p>
@@ -2172,7 +2371,7 @@
           <a:p>
             <a:fld id="{1945E603-6FD8-4E82-AA66-1D498947CA43}" type="datetimeFigureOut">
               <a:rPr lang="en-CH" smtClean="0"/>
-              <a:t>07/14/2022</a:t>
+              <a:t>18/07/2022</a:t>
             </a:fld>
             <a:endParaRPr lang="en-CH"/>
           </a:p>
@@ -2485,7 +2684,7 @@
           <a:p>
             <a:fld id="{1945E603-6FD8-4E82-AA66-1D498947CA43}" type="datetimeFigureOut">
               <a:rPr lang="en-CH" smtClean="0"/>
-              <a:t>07/14/2022</a:t>
+              <a:t>18/07/2022</a:t>
             </a:fld>
             <a:endParaRPr lang="en-CH"/>
           </a:p>
@@ -2774,7 +2973,7 @@
           <a:p>
             <a:fld id="{1945E603-6FD8-4E82-AA66-1D498947CA43}" type="datetimeFigureOut">
               <a:rPr lang="en-CH" smtClean="0"/>
-              <a:t>07/14/2022</a:t>
+              <a:t>18/07/2022</a:t>
             </a:fld>
             <a:endParaRPr lang="en-CH"/>
           </a:p>
@@ -3017,7 +3216,7 @@
           <a:p>
             <a:fld id="{1945E603-6FD8-4E82-AA66-1D498947CA43}" type="datetimeFigureOut">
               <a:rPr lang="en-CH" smtClean="0"/>
-              <a:t>07/14/2022</a:t>
+              <a:t>18/07/2022</a:t>
             </a:fld>
             <a:endParaRPr lang="en-CH"/>
           </a:p>
@@ -3470,8 +3669,8 @@
           </a:p>
         </p:txBody>
       </p:sp>
-      <mc:AlternateContent xmlns:mc="http://schemas.openxmlformats.org/markup-compatibility/2006">
-        <mc:Choice xmlns:a14="http://schemas.microsoft.com/office/drawing/2010/main" Requires="a14">
+      <mc:AlternateContent xmlns:mc="http://schemas.openxmlformats.org/markup-compatibility/2006" xmlns:a14="http://schemas.microsoft.com/office/drawing/2010/main">
+        <mc:Choice Requires="a14">
           <p:sp>
             <p:nvSpPr>
               <p:cNvPr id="5" name="Content Placeholder 4">
@@ -3931,13 +4130,7 @@
                         <a:rPr lang="en-GB" sz="1800" b="0" i="1" smtClean="0">
                           <a:latin typeface="Cambria Math" panose="02040503050406030204" pitchFamily="18" charset="0"/>
                         </a:rPr>
-                        <m:t>𝑃𝑒</m:t>
-                      </m:r>
-                      <m:r>
-                        <a:rPr lang="de-CH" sz="1800" b="0" i="1" baseline="-25000" smtClean="0">
-                          <a:latin typeface="Cambria Math" panose="02040503050406030204" pitchFamily="18" charset="0"/>
-                        </a:rPr>
-                        <m:t>𝑙</m:t>
+                        <m:t>𝑃𝑒𝑙</m:t>
                       </m:r>
                     </m:oMath>
                   </m:oMathPara>
@@ -4505,7 +4698,7 @@
             </p:txBody>
           </p:sp>
         </mc:Choice>
-        <mc:Fallback>
+        <mc:Fallback xmlns="">
           <p:sp>
             <p:nvSpPr>
               <p:cNvPr id="5" name="Content Placeholder 4">
@@ -5852,1142 +6045,41 @@
             </a:br>
             <a:r>
               <a:rPr lang="en-GB" sz="1800" dirty="0"/>
-              <a:t>Model notes</a:t>
+              <a:t>Theory notes</a:t>
             </a:r>
             <a:endParaRPr lang="en-CH" dirty="0"/>
           </a:p>
         </p:txBody>
       </p:sp>
-      <p:sp>
-        <p:nvSpPr>
-          <p:cNvPr id="5" name="Content Placeholder 4">
+      <p:pic>
+        <p:nvPicPr>
+          <p:cNvPr id="36" name="Picture 35">
             <a:extLst>
               <a:ext uri="{FF2B5EF4-FFF2-40B4-BE49-F238E27FC236}">
-                <a16:creationId xmlns:a16="http://schemas.microsoft.com/office/drawing/2014/main" id="{4CDF34A6-A22D-A0F1-57D2-BD80A4E506A0}"/>
+                <a16:creationId xmlns:a16="http://schemas.microsoft.com/office/drawing/2014/main" id="{EA207DEC-E6A1-36F5-FCAB-5F88A3CC06B5}"/>
               </a:ext>
             </a:extLst>
           </p:cNvPr>
-          <p:cNvSpPr>
-            <a:spLocks noGrp="1"/>
-          </p:cNvSpPr>
-          <p:nvPr>
-            <p:ph sz="half" idx="1"/>
-          </p:nvPr>
-        </p:nvSpPr>
-        <p:spPr/>
-        <p:txBody>
-          <a:bodyPr>
-            <a:normAutofit/>
-          </a:bodyPr>
-          <a:lstStyle/>
-          <a:p>
-            <a:r>
-              <a:rPr lang="en-GB" sz="1800" dirty="0"/>
-              <a:t>Governing equations:</a:t>
-            </a:r>
-          </a:p>
-          <a:p>
-            <a:endParaRPr lang="en-GB" sz="1800" dirty="0"/>
-          </a:p>
-          <a:p>
-            <a:endParaRPr lang="en-GB" sz="1800" dirty="0"/>
-          </a:p>
-          <a:p>
-            <a:endParaRPr lang="en-GB" sz="1800" dirty="0"/>
-          </a:p>
-          <a:p>
-            <a:endParaRPr lang="en-GB" sz="1800" dirty="0"/>
-          </a:p>
-          <a:p>
-            <a:endParaRPr lang="en-GB" sz="1800" dirty="0"/>
-          </a:p>
-          <a:p>
-            <a:r>
-              <a:rPr lang="en-GB" sz="1800" dirty="0"/>
-              <a:t>Important assumptions:</a:t>
-            </a:r>
-          </a:p>
-          <a:p>
-            <a:pPr marL="0" indent="0">
-              <a:buNone/>
-            </a:pPr>
-            <a:r>
-              <a:rPr lang="en-GB" sz="1200" dirty="0"/>
-              <a:t>Second-law efficiency / Carnot factor (</a:t>
-            </a:r>
-            <a:r>
-              <a:rPr lang="en-GB" sz="1200" dirty="0" err="1"/>
-              <a:t>DE:</a:t>
-            </a:r>
-            <a:r>
-              <a:rPr lang="en-GB" sz="1200" i="1" dirty="0" err="1"/>
-              <a:t>Gütegrad</a:t>
-            </a:r>
-            <a:r>
-              <a:rPr lang="en-GB" sz="1200" dirty="0"/>
-              <a:t>): range of 0.4-0.55</a:t>
-            </a:r>
-            <a:endParaRPr lang="en-CH" sz="1200" dirty="0"/>
-          </a:p>
-        </p:txBody>
-      </p:sp>
-      <p:grpSp>
-        <p:nvGrpSpPr>
-          <p:cNvPr id="33" name="Group 32">
-            <a:extLst>
-              <a:ext uri="{FF2B5EF4-FFF2-40B4-BE49-F238E27FC236}">
-                <a16:creationId xmlns:a16="http://schemas.microsoft.com/office/drawing/2014/main" id="{5B8211E5-E734-6541-187C-00DB6EC052D5}"/>
-              </a:ext>
-            </a:extLst>
-          </p:cNvPr>
-          <p:cNvGrpSpPr/>
+          <p:cNvPicPr>
+            <a:picLocks noChangeAspect="1"/>
+          </p:cNvPicPr>
           <p:nvPr/>
-        </p:nvGrpSpPr>
-        <p:grpSpPr>
-          <a:xfrm flipH="1">
-            <a:off x="7545278" y="1909455"/>
-            <a:ext cx="2868228" cy="3891027"/>
-            <a:chOff x="7092517" y="1723024"/>
-            <a:chExt cx="2868228" cy="3891027"/>
-          </a:xfrm>
-        </p:grpSpPr>
-        <p:sp>
-          <p:nvSpPr>
-            <p:cNvPr id="7" name="Rectangle 6">
-              <a:extLst>
-                <a:ext uri="{FF2B5EF4-FFF2-40B4-BE49-F238E27FC236}">
-                  <a16:creationId xmlns:a16="http://schemas.microsoft.com/office/drawing/2014/main" id="{58B196C9-AF94-2F35-CB48-B652F248B086}"/>
-                </a:ext>
-              </a:extLst>
-            </p:cNvPr>
-            <p:cNvSpPr/>
-            <p:nvPr/>
-          </p:nvSpPr>
-          <p:spPr>
-            <a:xfrm>
-              <a:off x="9367047" y="2645545"/>
-              <a:ext cx="593698" cy="2503503"/>
-            </a:xfrm>
-            <a:prstGeom prst="rect">
-              <a:avLst/>
-            </a:prstGeom>
-          </p:spPr>
-          <p:style>
-            <a:lnRef idx="2">
-              <a:schemeClr val="dk1"/>
-            </a:lnRef>
-            <a:fillRef idx="1">
-              <a:schemeClr val="lt1"/>
-            </a:fillRef>
-            <a:effectRef idx="0">
-              <a:schemeClr val="dk1"/>
-            </a:effectRef>
-            <a:fontRef idx="minor">
-              <a:schemeClr val="dk1"/>
-            </a:fontRef>
-          </p:style>
-          <p:txBody>
-            <a:bodyPr rtlCol="0" anchor="ctr"/>
-            <a:lstStyle/>
-            <a:p>
-              <a:pPr algn="ctr"/>
-              <a:r>
-                <a:rPr lang="en-GB" sz="1050" dirty="0"/>
-                <a:t>Evap.</a:t>
-              </a:r>
-            </a:p>
-            <a:p>
-              <a:pPr algn="ctr"/>
-              <a:endParaRPr lang="en-GB" sz="1050" dirty="0"/>
-            </a:p>
-            <a:p>
-              <a:pPr algn="ctr"/>
-              <a:r>
-                <a:rPr lang="en-GB" dirty="0"/>
-                <a:t>T</a:t>
-              </a:r>
-              <a:r>
-                <a:rPr lang="en-GB" baseline="-25000" dirty="0"/>
-                <a:t>v</a:t>
-              </a:r>
-              <a:endParaRPr lang="en-CH" sz="3600" baseline="-25000" dirty="0"/>
-            </a:p>
-          </p:txBody>
-        </p:sp>
-        <p:sp>
-          <p:nvSpPr>
-            <p:cNvPr id="10" name="Rectangle 9">
-              <a:extLst>
-                <a:ext uri="{FF2B5EF4-FFF2-40B4-BE49-F238E27FC236}">
-                  <a16:creationId xmlns:a16="http://schemas.microsoft.com/office/drawing/2014/main" id="{15D9B537-2711-D46E-E921-87F52F33C0F0}"/>
-                </a:ext>
-              </a:extLst>
-            </p:cNvPr>
-            <p:cNvSpPr/>
-            <p:nvPr/>
-          </p:nvSpPr>
-          <p:spPr>
-            <a:xfrm>
-              <a:off x="7092517" y="2645546"/>
-              <a:ext cx="593698" cy="2503503"/>
-            </a:xfrm>
-            <a:prstGeom prst="rect">
-              <a:avLst/>
-            </a:prstGeom>
-          </p:spPr>
-          <p:style>
-            <a:lnRef idx="2">
-              <a:schemeClr val="dk1"/>
-            </a:lnRef>
-            <a:fillRef idx="1">
-              <a:schemeClr val="lt1"/>
-            </a:fillRef>
-            <a:effectRef idx="0">
-              <a:schemeClr val="dk1"/>
-            </a:effectRef>
-            <a:fontRef idx="minor">
-              <a:schemeClr val="dk1"/>
-            </a:fontRef>
-          </p:style>
-          <p:txBody>
-            <a:bodyPr rtlCol="0" anchor="ctr"/>
-            <a:lstStyle/>
-            <a:p>
-              <a:pPr algn="ctr"/>
-              <a:r>
-                <a:rPr lang="en-GB" sz="1100" dirty="0"/>
-                <a:t>Cond.</a:t>
-              </a:r>
-            </a:p>
-            <a:p>
-              <a:pPr algn="ctr"/>
-              <a:endParaRPr lang="en-GB" sz="1100" dirty="0"/>
-            </a:p>
-            <a:p>
-              <a:pPr algn="ctr"/>
-              <a:r>
-                <a:rPr lang="en-GB" dirty="0"/>
-                <a:t>T</a:t>
-              </a:r>
-              <a:r>
-                <a:rPr lang="en-GB" baseline="-25000" dirty="0"/>
-                <a:t>K</a:t>
-              </a:r>
-              <a:endParaRPr lang="en-CH" sz="3600" baseline="-25000" dirty="0"/>
-            </a:p>
-          </p:txBody>
-        </p:sp>
-        <p:grpSp>
-          <p:nvGrpSpPr>
-            <p:cNvPr id="14" name="Group 13">
-              <a:extLst>
-                <a:ext uri="{FF2B5EF4-FFF2-40B4-BE49-F238E27FC236}">
-                  <a16:creationId xmlns:a16="http://schemas.microsoft.com/office/drawing/2014/main" id="{43D6F8B4-246B-2F27-D041-6624B85B851F}"/>
-                </a:ext>
-              </a:extLst>
-            </p:cNvPr>
-            <p:cNvGrpSpPr/>
-            <p:nvPr/>
-          </p:nvGrpSpPr>
-          <p:grpSpPr>
-            <a:xfrm>
-              <a:off x="8180407" y="5250067"/>
-              <a:ext cx="692447" cy="363984"/>
-              <a:chOff x="7874496" y="5228945"/>
-              <a:chExt cx="692447" cy="363984"/>
-            </a:xfrm>
-          </p:grpSpPr>
-          <p:sp>
-            <p:nvSpPr>
-              <p:cNvPr id="12" name="Isosceles Triangle 11">
-                <a:extLst>
-                  <a:ext uri="{FF2B5EF4-FFF2-40B4-BE49-F238E27FC236}">
-                    <a16:creationId xmlns:a16="http://schemas.microsoft.com/office/drawing/2014/main" id="{25910081-DCDC-C974-D53B-32BDBCC5197F}"/>
-                  </a:ext>
-                </a:extLst>
-              </p:cNvPr>
-              <p:cNvSpPr/>
-              <p:nvPr/>
-            </p:nvSpPr>
-            <p:spPr>
-              <a:xfrm rot="5400000">
-                <a:off x="7865616" y="5237825"/>
-                <a:ext cx="363984" cy="346223"/>
-              </a:xfrm>
-              <a:prstGeom prst="triangle">
-                <a:avLst/>
-              </a:prstGeom>
-            </p:spPr>
-            <p:style>
-              <a:lnRef idx="2">
-                <a:schemeClr val="dk1"/>
-              </a:lnRef>
-              <a:fillRef idx="1">
-                <a:schemeClr val="lt1"/>
-              </a:fillRef>
-              <a:effectRef idx="0">
-                <a:schemeClr val="dk1"/>
-              </a:effectRef>
-              <a:fontRef idx="minor">
-                <a:schemeClr val="dk1"/>
-              </a:fontRef>
-            </p:style>
-            <p:txBody>
-              <a:bodyPr rtlCol="0" anchor="ctr"/>
-              <a:lstStyle/>
-              <a:p>
-                <a:pPr algn="ctr"/>
-                <a:endParaRPr lang="en-CH"/>
-              </a:p>
-            </p:txBody>
-          </p:sp>
-          <p:sp>
-            <p:nvSpPr>
-              <p:cNvPr id="13" name="Isosceles Triangle 12">
-                <a:extLst>
-                  <a:ext uri="{FF2B5EF4-FFF2-40B4-BE49-F238E27FC236}">
-                    <a16:creationId xmlns:a16="http://schemas.microsoft.com/office/drawing/2014/main" id="{96D3A96A-D8A4-1DA3-6B20-5D16D473D072}"/>
-                  </a:ext>
-                </a:extLst>
-              </p:cNvPr>
-              <p:cNvSpPr/>
-              <p:nvPr/>
-            </p:nvSpPr>
-            <p:spPr>
-              <a:xfrm rot="16200000">
-                <a:off x="8211840" y="5237825"/>
-                <a:ext cx="363984" cy="346223"/>
-              </a:xfrm>
-              <a:prstGeom prst="triangle">
-                <a:avLst/>
-              </a:prstGeom>
-            </p:spPr>
-            <p:style>
-              <a:lnRef idx="2">
-                <a:schemeClr val="dk1"/>
-              </a:lnRef>
-              <a:fillRef idx="1">
-                <a:schemeClr val="lt1"/>
-              </a:fillRef>
-              <a:effectRef idx="0">
-                <a:schemeClr val="dk1"/>
-              </a:effectRef>
-              <a:fontRef idx="minor">
-                <a:schemeClr val="dk1"/>
-              </a:fontRef>
-            </p:style>
-            <p:txBody>
-              <a:bodyPr rtlCol="0" anchor="ctr"/>
-              <a:lstStyle/>
-              <a:p>
-                <a:pPr algn="ctr"/>
-                <a:endParaRPr lang="en-CH"/>
-              </a:p>
-            </p:txBody>
-          </p:sp>
-        </p:grpSp>
-        <p:grpSp>
-          <p:nvGrpSpPr>
-            <p:cNvPr id="16" name="Group 15">
-              <a:extLst>
-                <a:ext uri="{FF2B5EF4-FFF2-40B4-BE49-F238E27FC236}">
-                  <a16:creationId xmlns:a16="http://schemas.microsoft.com/office/drawing/2014/main" id="{592608B1-5DC4-0045-BE3E-750B07FC5C2F}"/>
-                </a:ext>
-              </a:extLst>
-            </p:cNvPr>
-            <p:cNvGrpSpPr/>
-            <p:nvPr/>
-          </p:nvGrpSpPr>
-          <p:grpSpPr>
-            <a:xfrm>
-              <a:off x="8233668" y="1723024"/>
-              <a:ext cx="585926" cy="580219"/>
-              <a:chOff x="8202967" y="1820677"/>
-              <a:chExt cx="585926" cy="580219"/>
-            </a:xfrm>
-          </p:grpSpPr>
-          <p:sp>
-            <p:nvSpPr>
-              <p:cNvPr id="11" name="Oval 10">
-                <a:extLst>
-                  <a:ext uri="{FF2B5EF4-FFF2-40B4-BE49-F238E27FC236}">
-                    <a16:creationId xmlns:a16="http://schemas.microsoft.com/office/drawing/2014/main" id="{5CF3B00D-6F6B-FA54-4655-46C389C644F4}"/>
-                  </a:ext>
-                </a:extLst>
-              </p:cNvPr>
-              <p:cNvSpPr/>
-              <p:nvPr/>
-            </p:nvSpPr>
-            <p:spPr>
-              <a:xfrm>
-                <a:off x="8202967" y="1820677"/>
-                <a:ext cx="585926" cy="580219"/>
-              </a:xfrm>
-              <a:prstGeom prst="ellipse">
-                <a:avLst/>
-              </a:prstGeom>
-            </p:spPr>
-            <p:style>
-              <a:lnRef idx="2">
-                <a:schemeClr val="dk1"/>
-              </a:lnRef>
-              <a:fillRef idx="1">
-                <a:schemeClr val="lt1"/>
-              </a:fillRef>
-              <a:effectRef idx="0">
-                <a:schemeClr val="dk1"/>
-              </a:effectRef>
-              <a:fontRef idx="minor">
-                <a:schemeClr val="dk1"/>
-              </a:fontRef>
-            </p:style>
-            <p:txBody>
-              <a:bodyPr rtlCol="0" anchor="ctr"/>
-              <a:lstStyle/>
-              <a:p>
-                <a:pPr algn="ctr"/>
-                <a:endParaRPr lang="en-CH"/>
-              </a:p>
-            </p:txBody>
-          </p:sp>
-          <p:sp>
-            <p:nvSpPr>
-              <p:cNvPr id="15" name="Isosceles Triangle 14">
-                <a:extLst>
-                  <a:ext uri="{FF2B5EF4-FFF2-40B4-BE49-F238E27FC236}">
-                    <a16:creationId xmlns:a16="http://schemas.microsoft.com/office/drawing/2014/main" id="{2973E6A2-6C5C-74B5-BE76-1C1012E0DB1A}"/>
-                  </a:ext>
-                </a:extLst>
-              </p:cNvPr>
-              <p:cNvSpPr/>
-              <p:nvPr/>
-            </p:nvSpPr>
-            <p:spPr>
-              <a:xfrm rot="16200000">
-                <a:off x="8283313" y="1866198"/>
-                <a:ext cx="363985" cy="489171"/>
-              </a:xfrm>
-              <a:prstGeom prst="triangle">
-                <a:avLst/>
-              </a:prstGeom>
-            </p:spPr>
-            <p:style>
-              <a:lnRef idx="2">
-                <a:schemeClr val="dk1"/>
-              </a:lnRef>
-              <a:fillRef idx="1">
-                <a:schemeClr val="lt1"/>
-              </a:fillRef>
-              <a:effectRef idx="0">
-                <a:schemeClr val="dk1"/>
-              </a:effectRef>
-              <a:fontRef idx="minor">
-                <a:schemeClr val="dk1"/>
-              </a:fontRef>
-            </p:style>
-            <p:txBody>
-              <a:bodyPr rtlCol="0" anchor="ctr"/>
-              <a:lstStyle/>
-              <a:p>
-                <a:pPr algn="ctr"/>
-                <a:endParaRPr lang="en-CH"/>
-              </a:p>
-            </p:txBody>
-          </p:sp>
-        </p:grpSp>
-        <p:cxnSp>
-          <p:nvCxnSpPr>
-            <p:cNvPr id="22" name="Connector: Elbow 21">
-              <a:extLst>
-                <a:ext uri="{FF2B5EF4-FFF2-40B4-BE49-F238E27FC236}">
-                  <a16:creationId xmlns:a16="http://schemas.microsoft.com/office/drawing/2014/main" id="{DB9A04F0-E3AD-CDFC-0F33-2409F86AE8A1}"/>
-                </a:ext>
-              </a:extLst>
-            </p:cNvPr>
-            <p:cNvCxnSpPr>
-              <a:cxnSpLocks/>
-              <a:stCxn id="15" idx="0"/>
-              <a:endCxn id="10" idx="0"/>
-            </p:cNvCxnSpPr>
-            <p:nvPr/>
-          </p:nvCxnSpPr>
-          <p:spPr>
-            <a:xfrm flipH="1">
-              <a:off x="7389366" y="2013130"/>
-              <a:ext cx="862055" cy="632416"/>
-            </a:xfrm>
-            <a:prstGeom prst="bentConnector2">
-              <a:avLst/>
-            </a:prstGeom>
-            <a:ln>
-              <a:solidFill>
-                <a:schemeClr val="tx1"/>
-              </a:solidFill>
-              <a:tailEnd type="triangle"/>
-            </a:ln>
-          </p:spPr>
-          <p:style>
-            <a:lnRef idx="1">
-              <a:schemeClr val="accent1"/>
-            </a:lnRef>
-            <a:fillRef idx="0">
-              <a:schemeClr val="accent1"/>
-            </a:fillRef>
-            <a:effectRef idx="0">
-              <a:schemeClr val="accent1"/>
-            </a:effectRef>
-            <a:fontRef idx="minor">
-              <a:schemeClr val="tx1"/>
-            </a:fontRef>
-          </p:style>
-        </p:cxnSp>
-        <p:cxnSp>
-          <p:nvCxnSpPr>
-            <p:cNvPr id="24" name="Connector: Elbow 23">
-              <a:extLst>
-                <a:ext uri="{FF2B5EF4-FFF2-40B4-BE49-F238E27FC236}">
-                  <a16:creationId xmlns:a16="http://schemas.microsoft.com/office/drawing/2014/main" id="{CC010AF8-F525-17A8-31BE-2CA70E001F1F}"/>
-                </a:ext>
-              </a:extLst>
-            </p:cNvPr>
-            <p:cNvCxnSpPr>
-              <a:cxnSpLocks/>
-              <a:stCxn id="10" idx="2"/>
-              <a:endCxn id="12" idx="3"/>
-            </p:cNvCxnSpPr>
-            <p:nvPr/>
-          </p:nvCxnSpPr>
-          <p:spPr>
-            <a:xfrm rot="16200000" flipH="1">
-              <a:off x="7643381" y="4895034"/>
-              <a:ext cx="283010" cy="791041"/>
-            </a:xfrm>
-            <a:prstGeom prst="bentConnector2">
-              <a:avLst/>
-            </a:prstGeom>
-            <a:ln>
-              <a:solidFill>
-                <a:schemeClr val="tx1"/>
-              </a:solidFill>
-              <a:tailEnd type="triangle"/>
-            </a:ln>
-          </p:spPr>
-          <p:style>
-            <a:lnRef idx="1">
-              <a:schemeClr val="accent1"/>
-            </a:lnRef>
-            <a:fillRef idx="0">
-              <a:schemeClr val="accent1"/>
-            </a:fillRef>
-            <a:effectRef idx="0">
-              <a:schemeClr val="accent1"/>
-            </a:effectRef>
-            <a:fontRef idx="minor">
-              <a:schemeClr val="tx1"/>
-            </a:fontRef>
-          </p:style>
-        </p:cxnSp>
-        <p:cxnSp>
-          <p:nvCxnSpPr>
-            <p:cNvPr id="27" name="Connector: Elbow 26">
-              <a:extLst>
-                <a:ext uri="{FF2B5EF4-FFF2-40B4-BE49-F238E27FC236}">
-                  <a16:creationId xmlns:a16="http://schemas.microsoft.com/office/drawing/2014/main" id="{04B1C75D-E91B-B8C4-F9F0-359556DD2E1A}"/>
-                </a:ext>
-              </a:extLst>
-            </p:cNvPr>
-            <p:cNvCxnSpPr>
-              <a:cxnSpLocks/>
-              <a:stCxn id="13" idx="3"/>
-              <a:endCxn id="7" idx="2"/>
-            </p:cNvCxnSpPr>
-            <p:nvPr/>
-          </p:nvCxnSpPr>
-          <p:spPr>
-            <a:xfrm rot="10800000" flipH="1">
-              <a:off x="8872854" y="5149049"/>
-              <a:ext cx="791042" cy="283011"/>
-            </a:xfrm>
-            <a:prstGeom prst="bentConnector2">
-              <a:avLst/>
-            </a:prstGeom>
-            <a:ln>
-              <a:solidFill>
-                <a:schemeClr val="tx1"/>
-              </a:solidFill>
-              <a:tailEnd type="triangle"/>
-            </a:ln>
-          </p:spPr>
-          <p:style>
-            <a:lnRef idx="1">
-              <a:schemeClr val="accent1"/>
-            </a:lnRef>
-            <a:fillRef idx="0">
-              <a:schemeClr val="accent1"/>
-            </a:fillRef>
-            <a:effectRef idx="0">
-              <a:schemeClr val="accent1"/>
-            </a:effectRef>
-            <a:fontRef idx="minor">
-              <a:schemeClr val="tx1"/>
-            </a:fontRef>
-          </p:style>
-        </p:cxnSp>
-        <p:cxnSp>
-          <p:nvCxnSpPr>
-            <p:cNvPr id="30" name="Connector: Elbow 29">
-              <a:extLst>
-                <a:ext uri="{FF2B5EF4-FFF2-40B4-BE49-F238E27FC236}">
-                  <a16:creationId xmlns:a16="http://schemas.microsoft.com/office/drawing/2014/main" id="{0185C5A2-722A-AFE0-692D-1AC4FC853EF6}"/>
-                </a:ext>
-              </a:extLst>
-            </p:cNvPr>
-            <p:cNvCxnSpPr>
-              <a:cxnSpLocks/>
-              <a:stCxn id="7" idx="0"/>
-              <a:endCxn id="11" idx="6"/>
-            </p:cNvCxnSpPr>
-            <p:nvPr/>
-          </p:nvCxnSpPr>
-          <p:spPr>
-            <a:xfrm rot="16200000" flipV="1">
-              <a:off x="8925539" y="1907189"/>
-              <a:ext cx="632411" cy="844302"/>
-            </a:xfrm>
-            <a:prstGeom prst="bentConnector2">
-              <a:avLst/>
-            </a:prstGeom>
-            <a:ln>
-              <a:solidFill>
-                <a:schemeClr val="tx1"/>
-              </a:solidFill>
-              <a:tailEnd type="triangle"/>
-            </a:ln>
-          </p:spPr>
-          <p:style>
-            <a:lnRef idx="1">
-              <a:schemeClr val="accent1"/>
-            </a:lnRef>
-            <a:fillRef idx="0">
-              <a:schemeClr val="accent1"/>
-            </a:fillRef>
-            <a:effectRef idx="0">
-              <a:schemeClr val="accent1"/>
-            </a:effectRef>
-            <a:fontRef idx="minor">
-              <a:schemeClr val="tx1"/>
-            </a:fontRef>
-          </p:style>
-        </p:cxnSp>
-      </p:grpSp>
-      <p:cxnSp>
-        <p:nvCxnSpPr>
-          <p:cNvPr id="41" name="Straight Arrow Connector 40">
-            <a:extLst>
-              <a:ext uri="{FF2B5EF4-FFF2-40B4-BE49-F238E27FC236}">
-                <a16:creationId xmlns:a16="http://schemas.microsoft.com/office/drawing/2014/main" id="{7FF7C3FF-95CD-52D9-EE87-9E1CB6FC1ED6}"/>
-              </a:ext>
-            </a:extLst>
-          </p:cNvPr>
-          <p:cNvCxnSpPr>
-            <a:cxnSpLocks/>
-            <a:endCxn id="11" idx="0"/>
-          </p:cNvCxnSpPr>
-          <p:nvPr/>
-        </p:nvCxnSpPr>
+        </p:nvPicPr>
+        <p:blipFill rotWithShape="1">
+          <a:blip r:embed="rId2"/>
+          <a:srcRect l="17022" t="12039" r="18589" b="6279"/>
+          <a:stretch/>
+        </p:blipFill>
         <p:spPr>
           <a:xfrm>
-            <a:off x="8979392" y="1057518"/>
-            <a:ext cx="0" cy="851937"/>
-          </a:xfrm>
-          <a:prstGeom prst="straightConnector1">
-            <a:avLst/>
-          </a:prstGeom>
-          <a:ln w="31750">
-            <a:tailEnd type="triangle"/>
-          </a:ln>
-        </p:spPr>
-        <p:style>
-          <a:lnRef idx="3">
-            <a:schemeClr val="accent6"/>
-          </a:lnRef>
-          <a:fillRef idx="0">
-            <a:schemeClr val="accent6"/>
-          </a:fillRef>
-          <a:effectRef idx="2">
-            <a:schemeClr val="accent6"/>
-          </a:effectRef>
-          <a:fontRef idx="minor">
-            <a:schemeClr val="tx1"/>
-          </a:fontRef>
-        </p:style>
-      </p:cxnSp>
-      <p:sp>
-        <p:nvSpPr>
-          <p:cNvPr id="43" name="TextBox 42">
-            <a:extLst>
-              <a:ext uri="{FF2B5EF4-FFF2-40B4-BE49-F238E27FC236}">
-                <a16:creationId xmlns:a16="http://schemas.microsoft.com/office/drawing/2014/main" id="{9B6BF452-AD16-5EE0-4154-311B5E0DFEFB}"/>
-              </a:ext>
-            </a:extLst>
-          </p:cNvPr>
-          <p:cNvSpPr txBox="1"/>
-          <p:nvPr/>
-        </p:nvSpPr>
-        <p:spPr>
-          <a:xfrm>
-            <a:off x="8979392" y="906593"/>
-            <a:ext cx="471050" cy="369332"/>
+            <a:off x="2244017" y="1256190"/>
+            <a:ext cx="7850257" cy="5601810"/>
           </a:xfrm>
           <a:prstGeom prst="rect">
             <a:avLst/>
           </a:prstGeom>
-          <a:noFill/>
         </p:spPr>
-        <p:txBody>
-          <a:bodyPr wrap="square" rtlCol="0">
-            <a:spAutoFit/>
-          </a:bodyPr>
-          <a:lstStyle/>
-          <a:p>
-            <a:r>
-              <a:rPr lang="en-GB" dirty="0"/>
-              <a:t>P</a:t>
-            </a:r>
-            <a:r>
-              <a:rPr lang="en-GB" baseline="-25000" dirty="0"/>
-              <a:t>el</a:t>
-            </a:r>
-            <a:endParaRPr lang="en-CH" baseline="-25000" dirty="0"/>
-          </a:p>
-        </p:txBody>
-      </p:sp>
-      <p:cxnSp>
-        <p:nvCxnSpPr>
-          <p:cNvPr id="45" name="Straight Arrow Connector 44">
-            <a:extLst>
-              <a:ext uri="{FF2B5EF4-FFF2-40B4-BE49-F238E27FC236}">
-                <a16:creationId xmlns:a16="http://schemas.microsoft.com/office/drawing/2014/main" id="{928598D6-5432-76B2-9E52-939AD7D3B5DB}"/>
-              </a:ext>
-            </a:extLst>
-          </p:cNvPr>
-          <p:cNvCxnSpPr>
-            <a:cxnSpLocks/>
-          </p:cNvCxnSpPr>
-          <p:nvPr/>
-        </p:nvCxnSpPr>
-        <p:spPr>
-          <a:xfrm>
-            <a:off x="6967306" y="4083727"/>
-            <a:ext cx="874821" cy="0"/>
-          </a:xfrm>
-          <a:prstGeom prst="straightConnector1">
-            <a:avLst/>
-          </a:prstGeom>
-          <a:ln>
-            <a:tailEnd type="triangle"/>
-          </a:ln>
-        </p:spPr>
-        <p:style>
-          <a:lnRef idx="3">
-            <a:schemeClr val="accent1"/>
-          </a:lnRef>
-          <a:fillRef idx="0">
-            <a:schemeClr val="accent1"/>
-          </a:fillRef>
-          <a:effectRef idx="2">
-            <a:schemeClr val="accent1"/>
-          </a:effectRef>
-          <a:fontRef idx="minor">
-            <a:schemeClr val="tx1"/>
-          </a:fontRef>
-        </p:style>
-      </p:cxnSp>
-      <p:cxnSp>
-        <p:nvCxnSpPr>
-          <p:cNvPr id="48" name="Straight Arrow Connector 47">
-            <a:extLst>
-              <a:ext uri="{FF2B5EF4-FFF2-40B4-BE49-F238E27FC236}">
-                <a16:creationId xmlns:a16="http://schemas.microsoft.com/office/drawing/2014/main" id="{751EE9B6-4895-F553-F44E-5C0B80E877B0}"/>
-              </a:ext>
-            </a:extLst>
-          </p:cNvPr>
-          <p:cNvCxnSpPr>
-            <a:cxnSpLocks/>
-          </p:cNvCxnSpPr>
-          <p:nvPr/>
-        </p:nvCxnSpPr>
-        <p:spPr>
-          <a:xfrm>
-            <a:off x="10116657" y="4083727"/>
-            <a:ext cx="856143" cy="0"/>
-          </a:xfrm>
-          <a:prstGeom prst="straightConnector1">
-            <a:avLst/>
-          </a:prstGeom>
-          <a:ln>
-            <a:tailEnd type="triangle"/>
-          </a:ln>
-        </p:spPr>
-        <p:style>
-          <a:lnRef idx="3">
-            <a:schemeClr val="accent2"/>
-          </a:lnRef>
-          <a:fillRef idx="0">
-            <a:schemeClr val="accent2"/>
-          </a:fillRef>
-          <a:effectRef idx="2">
-            <a:schemeClr val="accent2"/>
-          </a:effectRef>
-          <a:fontRef idx="minor">
-            <a:schemeClr val="tx1"/>
-          </a:fontRef>
-        </p:style>
-      </p:cxnSp>
-      <p:sp>
-        <p:nvSpPr>
-          <p:cNvPr id="50" name="TextBox 49">
-            <a:extLst>
-              <a:ext uri="{FF2B5EF4-FFF2-40B4-BE49-F238E27FC236}">
-                <a16:creationId xmlns:a16="http://schemas.microsoft.com/office/drawing/2014/main" id="{7060AC75-1072-A976-F8FF-2625A2CC38D0}"/>
-              </a:ext>
-            </a:extLst>
-          </p:cNvPr>
-          <p:cNvSpPr txBox="1"/>
-          <p:nvPr/>
-        </p:nvSpPr>
-        <p:spPr>
-          <a:xfrm>
-            <a:off x="7024825" y="3714395"/>
-            <a:ext cx="441664" cy="369332"/>
-          </a:xfrm>
-          <a:prstGeom prst="rect">
-            <a:avLst/>
-          </a:prstGeom>
-          <a:noFill/>
-        </p:spPr>
-        <p:txBody>
-          <a:bodyPr wrap="square">
-            <a:spAutoFit/>
-          </a:bodyPr>
-          <a:lstStyle/>
-          <a:p>
-            <a:pPr algn="ctr"/>
-            <a:r>
-              <a:rPr lang="en-GB" dirty="0"/>
-              <a:t>Q</a:t>
-            </a:r>
-            <a:r>
-              <a:rPr lang="en-GB" baseline="-25000" dirty="0"/>
-              <a:t>v</a:t>
-            </a:r>
-            <a:endParaRPr lang="en-CH" sz="3600" baseline="-25000" dirty="0"/>
-          </a:p>
-        </p:txBody>
-      </p:sp>
-      <p:sp>
-        <p:nvSpPr>
-          <p:cNvPr id="51" name="TextBox 50">
-            <a:extLst>
-              <a:ext uri="{FF2B5EF4-FFF2-40B4-BE49-F238E27FC236}">
-                <a16:creationId xmlns:a16="http://schemas.microsoft.com/office/drawing/2014/main" id="{5FD5C01F-3D8E-174C-485E-CC72BED12064}"/>
-              </a:ext>
-            </a:extLst>
-          </p:cNvPr>
-          <p:cNvSpPr txBox="1"/>
-          <p:nvPr/>
-        </p:nvSpPr>
-        <p:spPr>
-          <a:xfrm>
-            <a:off x="10466034" y="3714395"/>
-            <a:ext cx="441664" cy="369332"/>
-          </a:xfrm>
-          <a:prstGeom prst="rect">
-            <a:avLst/>
-          </a:prstGeom>
-          <a:noFill/>
-        </p:spPr>
-        <p:txBody>
-          <a:bodyPr wrap="square">
-            <a:spAutoFit/>
-          </a:bodyPr>
-          <a:lstStyle/>
-          <a:p>
-            <a:pPr algn="ctr"/>
-            <a:r>
-              <a:rPr lang="en-GB" dirty="0"/>
-              <a:t>Q</a:t>
-            </a:r>
-            <a:r>
-              <a:rPr lang="en-GB" baseline="-25000" dirty="0"/>
-              <a:t>K</a:t>
-            </a:r>
-            <a:endParaRPr lang="en-CH" sz="3600" baseline="-25000" dirty="0"/>
-          </a:p>
-        </p:txBody>
-      </p:sp>
-      <p:cxnSp>
-        <p:nvCxnSpPr>
-          <p:cNvPr id="53" name="Straight Arrow Connector 52">
-            <a:extLst>
-              <a:ext uri="{FF2B5EF4-FFF2-40B4-BE49-F238E27FC236}">
-                <a16:creationId xmlns:a16="http://schemas.microsoft.com/office/drawing/2014/main" id="{4EE5D5AA-526E-F70C-FBE8-DCA9651C5971}"/>
-              </a:ext>
-            </a:extLst>
-          </p:cNvPr>
-          <p:cNvCxnSpPr>
-            <a:cxnSpLocks/>
-          </p:cNvCxnSpPr>
-          <p:nvPr/>
-        </p:nvCxnSpPr>
-        <p:spPr>
-          <a:xfrm>
-            <a:off x="7651810" y="1909455"/>
-            <a:ext cx="0" cy="4003073"/>
-          </a:xfrm>
-          <a:prstGeom prst="straightConnector1">
-            <a:avLst/>
-          </a:prstGeom>
-          <a:ln>
-            <a:tailEnd type="triangle"/>
-          </a:ln>
-        </p:spPr>
-        <p:style>
-          <a:lnRef idx="1">
-            <a:schemeClr val="accent1"/>
-          </a:lnRef>
-          <a:fillRef idx="0">
-            <a:schemeClr val="accent1"/>
-          </a:fillRef>
-          <a:effectRef idx="0">
-            <a:schemeClr val="accent1"/>
-          </a:effectRef>
-          <a:fontRef idx="minor">
-            <a:schemeClr val="tx1"/>
-          </a:fontRef>
-        </p:style>
-      </p:cxnSp>
-      <p:cxnSp>
-        <p:nvCxnSpPr>
-          <p:cNvPr id="63" name="Straight Arrow Connector 62">
-            <a:extLst>
-              <a:ext uri="{FF2B5EF4-FFF2-40B4-BE49-F238E27FC236}">
-                <a16:creationId xmlns:a16="http://schemas.microsoft.com/office/drawing/2014/main" id="{989337AB-74B1-DA13-2595-4F732FD42FC4}"/>
-              </a:ext>
-            </a:extLst>
-          </p:cNvPr>
-          <p:cNvCxnSpPr>
-            <a:cxnSpLocks/>
-          </p:cNvCxnSpPr>
-          <p:nvPr/>
-        </p:nvCxnSpPr>
-        <p:spPr>
-          <a:xfrm flipV="1">
-            <a:off x="10307713" y="1909455"/>
-            <a:ext cx="0" cy="4003073"/>
-          </a:xfrm>
-          <a:prstGeom prst="straightConnector1">
-            <a:avLst/>
-          </a:prstGeom>
-          <a:ln>
-            <a:tailEnd type="triangle"/>
-          </a:ln>
-        </p:spPr>
-        <p:style>
-          <a:lnRef idx="1">
-            <a:schemeClr val="accent2"/>
-          </a:lnRef>
-          <a:fillRef idx="0">
-            <a:schemeClr val="accent2"/>
-          </a:fillRef>
-          <a:effectRef idx="0">
-            <a:schemeClr val="accent2"/>
-          </a:effectRef>
-          <a:fontRef idx="minor">
-            <a:schemeClr val="tx1"/>
-          </a:fontRef>
-        </p:style>
-      </p:cxnSp>
-      <p:sp>
-        <p:nvSpPr>
-          <p:cNvPr id="64" name="TextBox 63">
-            <a:extLst>
-              <a:ext uri="{FF2B5EF4-FFF2-40B4-BE49-F238E27FC236}">
-                <a16:creationId xmlns:a16="http://schemas.microsoft.com/office/drawing/2014/main" id="{FEB163A8-6E73-98C7-C3C0-E516A3B507AF}"/>
-              </a:ext>
-            </a:extLst>
-          </p:cNvPr>
-          <p:cNvSpPr txBox="1"/>
-          <p:nvPr/>
-        </p:nvSpPr>
-        <p:spPr>
-          <a:xfrm>
-            <a:off x="7170567" y="1531805"/>
-            <a:ext cx="999111" cy="369332"/>
-          </a:xfrm>
-          <a:prstGeom prst="rect">
-            <a:avLst/>
-          </a:prstGeom>
-          <a:noFill/>
-        </p:spPr>
-        <p:txBody>
-          <a:bodyPr wrap="square">
-            <a:spAutoFit/>
-          </a:bodyPr>
-          <a:lstStyle/>
-          <a:p>
-            <a:pPr algn="ctr"/>
-            <a:r>
-              <a:rPr lang="en-GB" dirty="0" err="1"/>
-              <a:t>T</a:t>
-            </a:r>
-            <a:r>
-              <a:rPr lang="en-GB" baseline="-25000" dirty="0" err="1"/>
-              <a:t>source</a:t>
-            </a:r>
-            <a:r>
-              <a:rPr lang="en-GB" baseline="-25000" dirty="0"/>
-              <a:t>, in</a:t>
-            </a:r>
-            <a:endParaRPr lang="en-CH" sz="3600" baseline="-25000" dirty="0"/>
-          </a:p>
-        </p:txBody>
-      </p:sp>
-      <p:sp>
-        <p:nvSpPr>
-          <p:cNvPr id="65" name="TextBox 64">
-            <a:extLst>
-              <a:ext uri="{FF2B5EF4-FFF2-40B4-BE49-F238E27FC236}">
-                <a16:creationId xmlns:a16="http://schemas.microsoft.com/office/drawing/2014/main" id="{1EBB8F3E-2870-122C-9EE1-AD774398F49C}"/>
-              </a:ext>
-            </a:extLst>
-          </p:cNvPr>
-          <p:cNvSpPr txBox="1"/>
-          <p:nvPr/>
-        </p:nvSpPr>
-        <p:spPr>
-          <a:xfrm>
-            <a:off x="7170567" y="5922768"/>
-            <a:ext cx="999111" cy="369332"/>
-          </a:xfrm>
-          <a:prstGeom prst="rect">
-            <a:avLst/>
-          </a:prstGeom>
-          <a:noFill/>
-        </p:spPr>
-        <p:txBody>
-          <a:bodyPr wrap="square">
-            <a:spAutoFit/>
-          </a:bodyPr>
-          <a:lstStyle/>
-          <a:p>
-            <a:pPr algn="ctr"/>
-            <a:r>
-              <a:rPr lang="en-GB" dirty="0" err="1"/>
-              <a:t>T</a:t>
-            </a:r>
-            <a:r>
-              <a:rPr lang="en-GB" baseline="-25000" dirty="0" err="1"/>
-              <a:t>source</a:t>
-            </a:r>
-            <a:r>
-              <a:rPr lang="en-GB" baseline="-25000" dirty="0"/>
-              <a:t>, out</a:t>
-            </a:r>
-            <a:endParaRPr lang="en-CH" sz="3600" baseline="-25000" dirty="0"/>
-          </a:p>
-        </p:txBody>
-      </p:sp>
-      <p:sp>
-        <p:nvSpPr>
-          <p:cNvPr id="66" name="TextBox 65">
-            <a:extLst>
-              <a:ext uri="{FF2B5EF4-FFF2-40B4-BE49-F238E27FC236}">
-                <a16:creationId xmlns:a16="http://schemas.microsoft.com/office/drawing/2014/main" id="{91D9931C-2784-ECCC-4982-4826B9DE8A82}"/>
-              </a:ext>
-            </a:extLst>
-          </p:cNvPr>
-          <p:cNvSpPr txBox="1"/>
-          <p:nvPr/>
-        </p:nvSpPr>
-        <p:spPr>
-          <a:xfrm>
-            <a:off x="9721137" y="5922768"/>
-            <a:ext cx="999111" cy="369332"/>
-          </a:xfrm>
-          <a:prstGeom prst="rect">
-            <a:avLst/>
-          </a:prstGeom>
-          <a:noFill/>
-        </p:spPr>
-        <p:txBody>
-          <a:bodyPr wrap="square">
-            <a:spAutoFit/>
-          </a:bodyPr>
-          <a:lstStyle/>
-          <a:p>
-            <a:pPr algn="ctr"/>
-            <a:r>
-              <a:rPr lang="en-GB" dirty="0" err="1"/>
-              <a:t>T</a:t>
-            </a:r>
-            <a:r>
-              <a:rPr lang="en-GB" baseline="-25000" dirty="0" err="1"/>
-              <a:t>sink</a:t>
-            </a:r>
-            <a:r>
-              <a:rPr lang="en-GB" baseline="-25000" dirty="0"/>
-              <a:t>, in</a:t>
-            </a:r>
-            <a:endParaRPr lang="en-CH" sz="3600" baseline="-25000" dirty="0"/>
-          </a:p>
-        </p:txBody>
-      </p:sp>
-      <p:sp>
-        <p:nvSpPr>
-          <p:cNvPr id="67" name="TextBox 66">
-            <a:extLst>
-              <a:ext uri="{FF2B5EF4-FFF2-40B4-BE49-F238E27FC236}">
-                <a16:creationId xmlns:a16="http://schemas.microsoft.com/office/drawing/2014/main" id="{880F5308-D45C-3539-1B84-B49B4B838187}"/>
-              </a:ext>
-            </a:extLst>
-          </p:cNvPr>
-          <p:cNvSpPr txBox="1"/>
-          <p:nvPr/>
-        </p:nvSpPr>
-        <p:spPr>
-          <a:xfrm>
-            <a:off x="9721137" y="1529405"/>
-            <a:ext cx="999111" cy="369332"/>
-          </a:xfrm>
-          <a:prstGeom prst="rect">
-            <a:avLst/>
-          </a:prstGeom>
-          <a:noFill/>
-        </p:spPr>
-        <p:txBody>
-          <a:bodyPr wrap="square">
-            <a:spAutoFit/>
-          </a:bodyPr>
-          <a:lstStyle/>
-          <a:p>
-            <a:pPr algn="ctr"/>
-            <a:r>
-              <a:rPr lang="en-GB" dirty="0" err="1"/>
-              <a:t>T</a:t>
-            </a:r>
-            <a:r>
-              <a:rPr lang="en-GB" baseline="-25000" dirty="0" err="1"/>
-              <a:t>sink</a:t>
-            </a:r>
-            <a:r>
-              <a:rPr lang="en-GB" baseline="-25000" dirty="0"/>
-              <a:t>, out</a:t>
-            </a:r>
-            <a:endParaRPr lang="en-CH" sz="3600" baseline="-25000" dirty="0"/>
-          </a:p>
-        </p:txBody>
-      </p:sp>
+      </p:pic>
     </p:spTree>
     <p:extLst>
       <p:ext uri="{BB962C8B-B14F-4D97-AF65-F5344CB8AC3E}">
@@ -7054,8 +6146,8 @@
           </a:p>
         </p:txBody>
       </p:sp>
-      <mc:AlternateContent xmlns:mc="http://schemas.openxmlformats.org/markup-compatibility/2006">
-        <mc:Choice xmlns:a14="http://schemas.microsoft.com/office/drawing/2010/main" Requires="a14">
+      <mc:AlternateContent xmlns:mc="http://schemas.openxmlformats.org/markup-compatibility/2006" xmlns:a14="http://schemas.microsoft.com/office/drawing/2010/main">
+        <mc:Choice Requires="a14">
           <p:sp>
             <p:nvSpPr>
               <p:cNvPr id="5" name="Content Placeholder 4">
@@ -8253,7 +7345,7 @@
             </p:txBody>
           </p:sp>
         </mc:Choice>
-        <mc:Fallback>
+        <mc:Fallback xmlns="">
           <p:sp>
             <p:nvSpPr>
               <p:cNvPr id="5" name="Content Placeholder 4">
@@ -9344,23 +8436,12 @@
 </file>
 
 <file path=customXml/item1.xml><?xml version="1.0" encoding="utf-8"?>
-<p:properties xmlns:p="http://schemas.microsoft.com/office/2006/metadata/properties" xmlns:xsi="http://www.w3.org/2001/XMLSchema-instance" xmlns:pc="http://schemas.microsoft.com/office/infopath/2007/PartnerControls">
-  <documentManagement>
-    <Datum xmlns="9a7d57e2-a6f6-4353-bdc3-995d0b2e54a4">2021-01-02T00:00:00+00:00</Datum>
-    <_Flow_SignoffStatus xmlns="9a7d57e2-a6f6-4353-bdc3-995d0b2e54a4" xsi:nil="true"/>
-    <Speaker xmlns="9a7d57e2-a6f6-4353-bdc3-995d0b2e54a4">
-      <UserInfo>
-        <DisplayName/>
-        <AccountId xsi:nil="true"/>
-        <AccountType/>
-      </UserInfo>
-    </Speaker>
-    <lcf76f155ced4ddcb4097134ff3c332f xmlns="9a7d57e2-a6f6-4353-bdc3-995d0b2e54a4">
-      <Terms xmlns="http://schemas.microsoft.com/office/infopath/2007/PartnerControls"/>
-    </lcf76f155ced4ddcb4097134ff3c332f>
-    <TaxCatchAll xmlns="bd5c1ef4-a5a8-4f60-b734-518beb01c7b7" xsi:nil="true"/>
-  </documentManagement>
-</p:properties>
+<?mso-contentType ?>
+<FormTemplates xmlns="http://schemas.microsoft.com/sharepoint/v3/contenttype/forms">
+  <Display>DocumentLibraryForm</Display>
+  <Edit>DocumentLibraryForm</Edit>
+  <New>DocumentLibraryForm</New>
+</FormTemplates>
 </file>
 
 <file path=customXml/item2.xml><?xml version="1.0" encoding="utf-8"?>
@@ -9633,21 +8714,29 @@
 </file>
 
 <file path=customXml/item3.xml><?xml version="1.0" encoding="utf-8"?>
-<?mso-contentType ?>
-<FormTemplates xmlns="http://schemas.microsoft.com/sharepoint/v3/contenttype/forms">
-  <Display>DocumentLibraryForm</Display>
-  <Edit>DocumentLibraryForm</Edit>
-  <New>DocumentLibraryForm</New>
-</FormTemplates>
+<p:properties xmlns:p="http://schemas.microsoft.com/office/2006/metadata/properties" xmlns:xsi="http://www.w3.org/2001/XMLSchema-instance" xmlns:pc="http://schemas.microsoft.com/office/infopath/2007/PartnerControls">
+  <documentManagement>
+    <Datum xmlns="9a7d57e2-a6f6-4353-bdc3-995d0b2e54a4">2021-01-02T00:00:00+00:00</Datum>
+    <_Flow_SignoffStatus xmlns="9a7d57e2-a6f6-4353-bdc3-995d0b2e54a4" xsi:nil="true"/>
+    <Speaker xmlns="9a7d57e2-a6f6-4353-bdc3-995d0b2e54a4">
+      <UserInfo>
+        <DisplayName/>
+        <AccountId xsi:nil="true"/>
+        <AccountType/>
+      </UserInfo>
+    </Speaker>
+    <lcf76f155ced4ddcb4097134ff3c332f xmlns="9a7d57e2-a6f6-4353-bdc3-995d0b2e54a4">
+      <Terms xmlns="http://schemas.microsoft.com/office/infopath/2007/PartnerControls"/>
+    </lcf76f155ced4ddcb4097134ff3c332f>
+    <TaxCatchAll xmlns="bd5c1ef4-a5a8-4f60-b734-518beb01c7b7" xsi:nil="true"/>
+  </documentManagement>
+</p:properties>
 </file>
 
 <file path=customXml/itemProps1.xml><?xml version="1.0" encoding="utf-8"?>
-<ds:datastoreItem xmlns:ds="http://schemas.openxmlformats.org/officeDocument/2006/customXml" ds:itemID="{88383E14-D3F5-4842-8B29-BAFB3C36CDD1}">
+<ds:datastoreItem xmlns:ds="http://schemas.openxmlformats.org/officeDocument/2006/customXml" ds:itemID="{B9D2EB95-46D4-4E72-8605-AD808543CAA3}">
   <ds:schemaRefs>
-    <ds:schemaRef ds:uri="http://schemas.microsoft.com/office/2006/metadata/properties"/>
-    <ds:schemaRef ds:uri="http://schemas.microsoft.com/office/infopath/2007/PartnerControls"/>
-    <ds:schemaRef ds:uri="9a7d57e2-a6f6-4353-bdc3-995d0b2e54a4"/>
-    <ds:schemaRef ds:uri="bd5c1ef4-a5a8-4f60-b734-518beb01c7b7"/>
+    <ds:schemaRef ds:uri="http://schemas.microsoft.com/sharepoint/v3/contenttype/forms"/>
   </ds:schemaRefs>
 </ds:datastoreItem>
 </file>
@@ -9672,9 +8761,12 @@
 </file>
 
 <file path=customXml/itemProps3.xml><?xml version="1.0" encoding="utf-8"?>
-<ds:datastoreItem xmlns:ds="http://schemas.openxmlformats.org/officeDocument/2006/customXml" ds:itemID="{B9D2EB95-46D4-4E72-8605-AD808543CAA3}">
+<ds:datastoreItem xmlns:ds="http://schemas.openxmlformats.org/officeDocument/2006/customXml" ds:itemID="{88383E14-D3F5-4842-8B29-BAFB3C36CDD1}">
   <ds:schemaRefs>
-    <ds:schemaRef ds:uri="http://schemas.microsoft.com/sharepoint/v3/contenttype/forms"/>
+    <ds:schemaRef ds:uri="http://schemas.microsoft.com/office/2006/metadata/properties"/>
+    <ds:schemaRef ds:uri="http://schemas.microsoft.com/office/infopath/2007/PartnerControls"/>
+    <ds:schemaRef ds:uri="9a7d57e2-a6f6-4353-bdc3-995d0b2e54a4"/>
+    <ds:schemaRef ds:uri="bd5c1ef4-a5a8-4f60-b734-518beb01c7b7"/>
   </ds:schemaRefs>
 </ds:datastoreItem>
 </file>